--- a/ProblemReports.pptx
+++ b/ProblemReports.pptx
@@ -5,10 +5,20 @@
     <p:sldMasterId id="2147483648" r:id="rId1"/>
   </p:sldMasterIdLst>
   <p:sldIdLst>
-    <p:sldId id="256" r:id="rId2"/>
-    <p:sldId id="257" r:id="rId3"/>
-    <p:sldId id="258" r:id="rId4"/>
+    <p:sldId id="258" r:id="rId2"/>
+    <p:sldId id="256" r:id="rId3"/>
+    <p:sldId id="257" r:id="rId4"/>
     <p:sldId id="259" r:id="rId5"/>
+    <p:sldId id="260" r:id="rId6"/>
+    <p:sldId id="261" r:id="rId7"/>
+    <p:sldId id="262" r:id="rId8"/>
+    <p:sldId id="263" r:id="rId9"/>
+    <p:sldId id="265" r:id="rId10"/>
+    <p:sldId id="264" r:id="rId11"/>
+    <p:sldId id="266" r:id="rId12"/>
+    <p:sldId id="269" r:id="rId13"/>
+    <p:sldId id="267" r:id="rId14"/>
+    <p:sldId id="268" r:id="rId15"/>
   </p:sldIdLst>
   <p:sldSz cx="12192000" cy="6858000"/>
   <p:notesSz cx="6858000" cy="9144000"/>
@@ -107,6 +117,11 @@
       </a:defRPr>
     </a:lvl9pPr>
   </p:defaultTextStyle>
+  <p:extLst>
+    <p:ext uri="{EFAFB233-063F-42B5-8137-9DF3F51BA10A}">
+      <p15:sldGuideLst xmlns:p15="http://schemas.microsoft.com/office/powerpoint/2012/main"/>
+    </p:ext>
+  </p:extLst>
 </p:presentation>
 </file>
 
@@ -259,7 +274,7 @@
           <a:p>
             <a:fld id="{7C58D2B4-DADB-4E41-BE18-64BA2AF86437}" type="datetimeFigureOut">
               <a:rPr lang="en-DE" smtClean="0"/>
-              <a:t>30/09/2021</a:t>
+              <a:t>03/10/2021</a:t>
             </a:fld>
             <a:endParaRPr lang="en-DE"/>
           </a:p>
@@ -459,7 +474,7 @@
           <a:p>
             <a:fld id="{7C58D2B4-DADB-4E41-BE18-64BA2AF86437}" type="datetimeFigureOut">
               <a:rPr lang="en-DE" smtClean="0"/>
-              <a:t>30/09/2021</a:t>
+              <a:t>03/10/2021</a:t>
             </a:fld>
             <a:endParaRPr lang="en-DE"/>
           </a:p>
@@ -669,7 +684,7 @@
           <a:p>
             <a:fld id="{7C58D2B4-DADB-4E41-BE18-64BA2AF86437}" type="datetimeFigureOut">
               <a:rPr lang="en-DE" smtClean="0"/>
-              <a:t>30/09/2021</a:t>
+              <a:t>03/10/2021</a:t>
             </a:fld>
             <a:endParaRPr lang="en-DE"/>
           </a:p>
@@ -869,7 +884,7 @@
           <a:p>
             <a:fld id="{7C58D2B4-DADB-4E41-BE18-64BA2AF86437}" type="datetimeFigureOut">
               <a:rPr lang="en-DE" smtClean="0"/>
-              <a:t>30/09/2021</a:t>
+              <a:t>03/10/2021</a:t>
             </a:fld>
             <a:endParaRPr lang="en-DE"/>
           </a:p>
@@ -1145,7 +1160,7 @@
           <a:p>
             <a:fld id="{7C58D2B4-DADB-4E41-BE18-64BA2AF86437}" type="datetimeFigureOut">
               <a:rPr lang="en-DE" smtClean="0"/>
-              <a:t>30/09/2021</a:t>
+              <a:t>03/10/2021</a:t>
             </a:fld>
             <a:endParaRPr lang="en-DE"/>
           </a:p>
@@ -1413,7 +1428,7 @@
           <a:p>
             <a:fld id="{7C58D2B4-DADB-4E41-BE18-64BA2AF86437}" type="datetimeFigureOut">
               <a:rPr lang="en-DE" smtClean="0"/>
-              <a:t>30/09/2021</a:t>
+              <a:t>03/10/2021</a:t>
             </a:fld>
             <a:endParaRPr lang="en-DE"/>
           </a:p>
@@ -1828,7 +1843,7 @@
           <a:p>
             <a:fld id="{7C58D2B4-DADB-4E41-BE18-64BA2AF86437}" type="datetimeFigureOut">
               <a:rPr lang="en-DE" smtClean="0"/>
-              <a:t>30/09/2021</a:t>
+              <a:t>03/10/2021</a:t>
             </a:fld>
             <a:endParaRPr lang="en-DE"/>
           </a:p>
@@ -1970,7 +1985,7 @@
           <a:p>
             <a:fld id="{7C58D2B4-DADB-4E41-BE18-64BA2AF86437}" type="datetimeFigureOut">
               <a:rPr lang="en-DE" smtClean="0"/>
-              <a:t>30/09/2021</a:t>
+              <a:t>03/10/2021</a:t>
             </a:fld>
             <a:endParaRPr lang="en-DE"/>
           </a:p>
@@ -2083,7 +2098,7 @@
           <a:p>
             <a:fld id="{7C58D2B4-DADB-4E41-BE18-64BA2AF86437}" type="datetimeFigureOut">
               <a:rPr lang="en-DE" smtClean="0"/>
-              <a:t>30/09/2021</a:t>
+              <a:t>03/10/2021</a:t>
             </a:fld>
             <a:endParaRPr lang="en-DE"/>
           </a:p>
@@ -2396,7 +2411,7 @@
           <a:p>
             <a:fld id="{7C58D2B4-DADB-4E41-BE18-64BA2AF86437}" type="datetimeFigureOut">
               <a:rPr lang="en-DE" smtClean="0"/>
-              <a:t>30/09/2021</a:t>
+              <a:t>03/10/2021</a:t>
             </a:fld>
             <a:endParaRPr lang="en-DE"/>
           </a:p>
@@ -2685,7 +2700,7 @@
           <a:p>
             <a:fld id="{7C58D2B4-DADB-4E41-BE18-64BA2AF86437}" type="datetimeFigureOut">
               <a:rPr lang="en-DE" smtClean="0"/>
-              <a:t>30/09/2021</a:t>
+              <a:t>03/10/2021</a:t>
             </a:fld>
             <a:endParaRPr lang="en-DE"/>
           </a:p>
@@ -2928,7 +2943,7 @@
           <a:p>
             <a:fld id="{7C58D2B4-DADB-4E41-BE18-64BA2AF86437}" type="datetimeFigureOut">
               <a:rPr lang="en-DE" smtClean="0"/>
-              <a:t>30/09/2021</a:t>
+              <a:t>03/10/2021</a:t>
             </a:fld>
             <a:endParaRPr lang="en-DE"/>
           </a:p>
@@ -3345,12 +3360,988 @@
           <a:chExt cx="0" cy="0"/>
         </a:xfrm>
       </p:grpSpPr>
+      <p:sp>
+        <p:nvSpPr>
+          <p:cNvPr id="2" name="Title 1">
+            <a:extLst>
+              <a:ext uri="{FF2B5EF4-FFF2-40B4-BE49-F238E27FC236}">
+                <a16:creationId xmlns:a16="http://schemas.microsoft.com/office/drawing/2014/main" id="{8F923F43-D5B4-4A10-8046-BE1B4E1F1D92}"/>
+              </a:ext>
+            </a:extLst>
+          </p:cNvPr>
+          <p:cNvSpPr>
+            <a:spLocks noGrp="1"/>
+          </p:cNvSpPr>
+          <p:nvPr>
+            <p:ph type="title"/>
+          </p:nvPr>
+        </p:nvSpPr>
+        <p:spPr/>
+        <p:txBody>
+          <a:bodyPr/>
+          <a:lstStyle/>
+          <a:p>
+            <a:r>
+              <a:rPr lang="de-DE" dirty="0"/>
+              <a:t>Problem 1</a:t>
+            </a:r>
+            <a:endParaRPr lang="en-DE" dirty="0"/>
+          </a:p>
+        </p:txBody>
+      </p:sp>
+      <p:sp>
+        <p:nvSpPr>
+          <p:cNvPr id="3" name="Content Placeholder 2">
+            <a:extLst>
+              <a:ext uri="{FF2B5EF4-FFF2-40B4-BE49-F238E27FC236}">
+                <a16:creationId xmlns:a16="http://schemas.microsoft.com/office/drawing/2014/main" id="{FD1B7EE6-1DA8-47D4-B2FF-1C91199E9D07}"/>
+              </a:ext>
+            </a:extLst>
+          </p:cNvPr>
+          <p:cNvSpPr>
+            <a:spLocks noGrp="1"/>
+          </p:cNvSpPr>
+          <p:nvPr>
+            <p:ph idx="1"/>
+          </p:nvPr>
+        </p:nvSpPr>
+        <p:spPr/>
+        <p:txBody>
+          <a:bodyPr/>
+          <a:lstStyle/>
+          <a:p>
+            <a:r>
+              <a:rPr lang="de-DE" dirty="0"/>
+              <a:t>First </a:t>
+            </a:r>
+            <a:r>
+              <a:rPr lang="de-DE" dirty="0" err="1"/>
+              <a:t>the</a:t>
+            </a:r>
+            <a:r>
+              <a:rPr lang="de-DE" dirty="0"/>
+              <a:t> </a:t>
+            </a:r>
+            <a:r>
+              <a:rPr lang="de-DE" dirty="0" err="1"/>
+              <a:t>image</a:t>
+            </a:r>
+            <a:r>
+              <a:rPr lang="de-DE" dirty="0"/>
+              <a:t> </a:t>
+            </a:r>
+            <a:r>
+              <a:rPr lang="de-DE" dirty="0" err="1"/>
+              <a:t>is</a:t>
+            </a:r>
+            <a:r>
+              <a:rPr lang="de-DE" dirty="0"/>
+              <a:t> </a:t>
+            </a:r>
+            <a:r>
+              <a:rPr lang="de-DE" dirty="0" err="1"/>
+              <a:t>stored</a:t>
+            </a:r>
+            <a:r>
+              <a:rPr lang="de-DE" dirty="0"/>
+              <a:t> in a variable. </a:t>
+            </a:r>
+            <a:r>
+              <a:rPr lang="de-DE" dirty="0" err="1"/>
+              <a:t>Then</a:t>
+            </a:r>
+            <a:r>
+              <a:rPr lang="de-DE" dirty="0"/>
+              <a:t> </a:t>
+            </a:r>
+            <a:r>
+              <a:rPr lang="de-DE" dirty="0" err="1"/>
+              <a:t>the</a:t>
+            </a:r>
+            <a:r>
+              <a:rPr lang="de-DE" dirty="0"/>
+              <a:t> </a:t>
+            </a:r>
+            <a:r>
+              <a:rPr lang="de-DE" dirty="0" err="1"/>
+              <a:t>image</a:t>
+            </a:r>
+            <a:r>
+              <a:rPr lang="de-DE" dirty="0"/>
+              <a:t> </a:t>
+            </a:r>
+            <a:r>
+              <a:rPr lang="de-DE" dirty="0" err="1"/>
+              <a:t>is</a:t>
+            </a:r>
+            <a:r>
+              <a:rPr lang="de-DE" dirty="0"/>
+              <a:t> </a:t>
+            </a:r>
+            <a:r>
+              <a:rPr lang="de-DE" dirty="0" err="1"/>
+              <a:t>split</a:t>
+            </a:r>
+            <a:r>
+              <a:rPr lang="de-DE" dirty="0"/>
+              <a:t> </a:t>
+            </a:r>
+            <a:r>
+              <a:rPr lang="de-DE" dirty="0" err="1"/>
+              <a:t>into</a:t>
+            </a:r>
+            <a:r>
+              <a:rPr lang="de-DE" dirty="0"/>
+              <a:t> 3 </a:t>
+            </a:r>
+            <a:r>
+              <a:rPr lang="de-DE" dirty="0" err="1"/>
+              <a:t>color</a:t>
+            </a:r>
+            <a:r>
+              <a:rPr lang="de-DE" dirty="0"/>
+              <a:t> </a:t>
+            </a:r>
+            <a:r>
+              <a:rPr lang="de-DE" dirty="0" err="1"/>
+              <a:t>channels</a:t>
+            </a:r>
+            <a:r>
+              <a:rPr lang="de-DE" dirty="0"/>
+              <a:t> (</a:t>
+            </a:r>
+            <a:r>
+              <a:rPr lang="de-DE" dirty="0" err="1"/>
+              <a:t>red</a:t>
+            </a:r>
+            <a:r>
+              <a:rPr lang="de-DE" dirty="0"/>
+              <a:t>, </a:t>
+            </a:r>
+            <a:r>
+              <a:rPr lang="de-DE" dirty="0" err="1"/>
+              <a:t>green</a:t>
+            </a:r>
+            <a:r>
+              <a:rPr lang="de-DE" dirty="0"/>
+              <a:t>, </a:t>
+            </a:r>
+            <a:r>
+              <a:rPr lang="de-DE" dirty="0" err="1"/>
+              <a:t>blue</a:t>
+            </a:r>
+            <a:r>
+              <a:rPr lang="de-DE" dirty="0"/>
+              <a:t>). In </a:t>
+            </a:r>
+            <a:r>
+              <a:rPr lang="de-DE" dirty="0" err="1"/>
+              <a:t>order</a:t>
+            </a:r>
+            <a:r>
+              <a:rPr lang="de-DE" dirty="0"/>
+              <a:t> </a:t>
+            </a:r>
+            <a:r>
+              <a:rPr lang="de-DE" dirty="0" err="1"/>
+              <a:t>to</a:t>
+            </a:r>
+            <a:r>
+              <a:rPr lang="de-DE" dirty="0"/>
+              <a:t> </a:t>
+            </a:r>
+            <a:r>
+              <a:rPr lang="de-DE" dirty="0" err="1"/>
+              <a:t>remove</a:t>
+            </a:r>
+            <a:r>
+              <a:rPr lang="de-DE" dirty="0"/>
+              <a:t> </a:t>
+            </a:r>
+            <a:r>
+              <a:rPr lang="de-DE" dirty="0" err="1"/>
+              <a:t>the</a:t>
+            </a:r>
+            <a:r>
+              <a:rPr lang="de-DE" dirty="0"/>
+              <a:t> </a:t>
+            </a:r>
+            <a:r>
+              <a:rPr lang="de-DE" dirty="0" err="1"/>
+              <a:t>background</a:t>
+            </a:r>
+            <a:r>
+              <a:rPr lang="de-DE" dirty="0"/>
+              <a:t> </a:t>
+            </a:r>
+            <a:r>
+              <a:rPr lang="de-DE" dirty="0" err="1"/>
+              <a:t>blue</a:t>
+            </a:r>
+            <a:r>
+              <a:rPr lang="de-DE" dirty="0"/>
+              <a:t> and </a:t>
+            </a:r>
+            <a:r>
+              <a:rPr lang="de-DE" dirty="0" err="1"/>
+              <a:t>green</a:t>
+            </a:r>
+            <a:r>
+              <a:rPr lang="de-DE" dirty="0"/>
+              <a:t> </a:t>
+            </a:r>
+            <a:r>
+              <a:rPr lang="de-DE" dirty="0" err="1"/>
+              <a:t>color</a:t>
+            </a:r>
+            <a:r>
+              <a:rPr lang="de-DE" dirty="0"/>
+              <a:t> </a:t>
+            </a:r>
+            <a:r>
+              <a:rPr lang="de-DE" dirty="0" err="1"/>
+              <a:t>channels</a:t>
+            </a:r>
+            <a:r>
+              <a:rPr lang="de-DE" dirty="0"/>
+              <a:t> </a:t>
+            </a:r>
+            <a:r>
+              <a:rPr lang="de-DE" dirty="0" err="1"/>
+              <a:t>are</a:t>
+            </a:r>
+            <a:r>
+              <a:rPr lang="de-DE" dirty="0"/>
+              <a:t> </a:t>
+            </a:r>
+            <a:r>
+              <a:rPr lang="de-DE" dirty="0" err="1"/>
+              <a:t>subtracted</a:t>
+            </a:r>
+            <a:r>
+              <a:rPr lang="de-DE" dirty="0"/>
+              <a:t> </a:t>
+            </a:r>
+            <a:r>
+              <a:rPr lang="de-DE" dirty="0" err="1"/>
+              <a:t>from</a:t>
+            </a:r>
+            <a:r>
+              <a:rPr lang="de-DE" dirty="0"/>
+              <a:t> </a:t>
+            </a:r>
+            <a:r>
+              <a:rPr lang="de-DE" dirty="0" err="1"/>
+              <a:t>red</a:t>
+            </a:r>
+            <a:r>
+              <a:rPr lang="de-DE" dirty="0"/>
+              <a:t> </a:t>
+            </a:r>
+            <a:r>
+              <a:rPr lang="de-DE" dirty="0" err="1"/>
+              <a:t>color</a:t>
+            </a:r>
+            <a:r>
+              <a:rPr lang="de-DE" dirty="0"/>
+              <a:t> </a:t>
+            </a:r>
+            <a:r>
+              <a:rPr lang="de-DE" dirty="0" err="1"/>
+              <a:t>channel</a:t>
+            </a:r>
+            <a:r>
+              <a:rPr lang="de-DE" dirty="0"/>
+              <a:t>. A </a:t>
+            </a:r>
+            <a:r>
+              <a:rPr lang="de-DE" dirty="0" err="1"/>
+              <a:t>thresholding</a:t>
+            </a:r>
+            <a:r>
+              <a:rPr lang="de-DE" dirty="0"/>
+              <a:t> </a:t>
+            </a:r>
+            <a:r>
+              <a:rPr lang="de-DE" dirty="0" err="1"/>
+              <a:t>condition</a:t>
+            </a:r>
+            <a:r>
+              <a:rPr lang="de-DE" dirty="0"/>
+              <a:t> </a:t>
+            </a:r>
+            <a:r>
+              <a:rPr lang="de-DE" dirty="0" err="1"/>
+              <a:t>is</a:t>
+            </a:r>
+            <a:r>
+              <a:rPr lang="de-DE" dirty="0"/>
+              <a:t> </a:t>
+            </a:r>
+            <a:r>
+              <a:rPr lang="de-DE" dirty="0" err="1"/>
+              <a:t>then</a:t>
+            </a:r>
+            <a:r>
+              <a:rPr lang="de-DE" dirty="0"/>
+              <a:t> </a:t>
+            </a:r>
+            <a:r>
+              <a:rPr lang="de-DE" dirty="0" err="1"/>
+              <a:t>applied</a:t>
+            </a:r>
+            <a:r>
+              <a:rPr lang="de-DE" dirty="0"/>
+              <a:t> </a:t>
+            </a:r>
+            <a:r>
+              <a:rPr lang="de-DE" dirty="0" err="1"/>
+              <a:t>to</a:t>
+            </a:r>
+            <a:r>
+              <a:rPr lang="de-DE" dirty="0"/>
+              <a:t> </a:t>
+            </a:r>
+            <a:r>
+              <a:rPr lang="de-DE" dirty="0" err="1"/>
+              <a:t>the</a:t>
+            </a:r>
+            <a:r>
+              <a:rPr lang="de-DE" dirty="0"/>
+              <a:t> </a:t>
+            </a:r>
+            <a:r>
+              <a:rPr lang="de-DE" dirty="0" err="1"/>
+              <a:t>obtained</a:t>
+            </a:r>
+            <a:r>
+              <a:rPr lang="de-DE" dirty="0"/>
+              <a:t> </a:t>
+            </a:r>
+            <a:r>
+              <a:rPr lang="de-DE" dirty="0" err="1"/>
+              <a:t>matrixes</a:t>
+            </a:r>
+            <a:r>
+              <a:rPr lang="de-DE" dirty="0"/>
+              <a:t>, in </a:t>
+            </a:r>
+            <a:r>
+              <a:rPr lang="de-DE" dirty="0" err="1"/>
+              <a:t>order</a:t>
+            </a:r>
+            <a:r>
+              <a:rPr lang="de-DE" dirty="0"/>
+              <a:t> </a:t>
+            </a:r>
+            <a:r>
+              <a:rPr lang="de-DE" dirty="0" err="1"/>
+              <a:t>to</a:t>
+            </a:r>
+            <a:r>
+              <a:rPr lang="de-DE" dirty="0"/>
+              <a:t> </a:t>
+            </a:r>
+            <a:r>
+              <a:rPr lang="de-DE" dirty="0" err="1"/>
+              <a:t>filter</a:t>
+            </a:r>
+            <a:r>
+              <a:rPr lang="de-DE" dirty="0"/>
+              <a:t> out </a:t>
+            </a:r>
+            <a:r>
+              <a:rPr lang="de-DE" dirty="0" err="1"/>
+              <a:t>the</a:t>
+            </a:r>
+            <a:r>
+              <a:rPr lang="de-DE" dirty="0"/>
+              <a:t> </a:t>
+            </a:r>
+            <a:r>
+              <a:rPr lang="de-DE" dirty="0" err="1"/>
+              <a:t>cordinates</a:t>
+            </a:r>
+            <a:r>
+              <a:rPr lang="de-DE" dirty="0"/>
+              <a:t> </a:t>
+            </a:r>
+            <a:r>
+              <a:rPr lang="de-DE" dirty="0" err="1"/>
+              <a:t>that</a:t>
+            </a:r>
+            <a:r>
+              <a:rPr lang="de-DE" dirty="0"/>
+              <a:t> </a:t>
+            </a:r>
+            <a:r>
+              <a:rPr lang="de-DE" dirty="0" err="1"/>
+              <a:t>has</a:t>
+            </a:r>
+            <a:r>
+              <a:rPr lang="de-DE" dirty="0"/>
+              <a:t> </a:t>
+            </a:r>
+            <a:r>
+              <a:rPr lang="de-DE" dirty="0" err="1"/>
+              <a:t>significant</a:t>
+            </a:r>
+            <a:r>
+              <a:rPr lang="de-DE" dirty="0"/>
+              <a:t> </a:t>
+            </a:r>
+            <a:r>
+              <a:rPr lang="de-DE" dirty="0" err="1"/>
+              <a:t>difference</a:t>
+            </a:r>
+            <a:r>
+              <a:rPr lang="de-DE" dirty="0"/>
+              <a:t> </a:t>
+            </a:r>
+            <a:r>
+              <a:rPr lang="de-DE" dirty="0" err="1"/>
+              <a:t>between</a:t>
+            </a:r>
+            <a:r>
+              <a:rPr lang="de-DE" dirty="0"/>
+              <a:t> </a:t>
+            </a:r>
+            <a:r>
+              <a:rPr lang="de-DE" dirty="0" err="1"/>
+              <a:t>color</a:t>
+            </a:r>
+            <a:r>
+              <a:rPr lang="de-DE" dirty="0"/>
+              <a:t> </a:t>
+            </a:r>
+            <a:r>
+              <a:rPr lang="de-DE" dirty="0" err="1"/>
+              <a:t>channels</a:t>
+            </a:r>
+            <a:r>
+              <a:rPr lang="de-DE" dirty="0"/>
+              <a:t>. </a:t>
+            </a:r>
+            <a:r>
+              <a:rPr lang="de-DE" dirty="0" err="1"/>
+              <a:t>Among</a:t>
+            </a:r>
+            <a:r>
+              <a:rPr lang="de-DE" dirty="0"/>
+              <a:t> </a:t>
+            </a:r>
+            <a:r>
+              <a:rPr lang="de-DE" dirty="0" err="1"/>
+              <a:t>the</a:t>
+            </a:r>
+            <a:r>
+              <a:rPr lang="de-DE" dirty="0"/>
+              <a:t> </a:t>
+            </a:r>
+            <a:r>
+              <a:rPr lang="de-DE" dirty="0" err="1"/>
+              <a:t>filtered</a:t>
+            </a:r>
+            <a:r>
+              <a:rPr lang="de-DE" dirty="0"/>
+              <a:t> </a:t>
+            </a:r>
+            <a:r>
+              <a:rPr lang="de-DE" dirty="0" err="1"/>
+              <a:t>cordinates</a:t>
+            </a:r>
+            <a:r>
+              <a:rPr lang="de-DE" dirty="0"/>
+              <a:t>, </a:t>
+            </a:r>
+            <a:r>
+              <a:rPr lang="de-DE" dirty="0" err="1"/>
+              <a:t>apples</a:t>
+            </a:r>
+            <a:r>
+              <a:rPr lang="de-DE" dirty="0"/>
+              <a:t> </a:t>
+            </a:r>
+            <a:r>
+              <a:rPr lang="de-DE" dirty="0" err="1"/>
+              <a:t>are</a:t>
+            </a:r>
+            <a:r>
+              <a:rPr lang="de-DE" dirty="0"/>
+              <a:t> </a:t>
+            </a:r>
+            <a:r>
+              <a:rPr lang="de-DE" dirty="0" err="1"/>
+              <a:t>present</a:t>
+            </a:r>
+            <a:r>
+              <a:rPr lang="de-DE" dirty="0"/>
+              <a:t> at </a:t>
+            </a:r>
+            <a:r>
+              <a:rPr lang="de-DE" dirty="0" err="1"/>
+              <a:t>the</a:t>
+            </a:r>
+            <a:r>
+              <a:rPr lang="de-DE" dirty="0"/>
+              <a:t> </a:t>
+            </a:r>
+            <a:r>
+              <a:rPr lang="de-DE" dirty="0" err="1"/>
+              <a:t>pixels</a:t>
+            </a:r>
+            <a:r>
+              <a:rPr lang="de-DE" dirty="0"/>
+              <a:t> </a:t>
+            </a:r>
+            <a:r>
+              <a:rPr lang="de-DE" dirty="0" err="1"/>
+              <a:t>where</a:t>
+            </a:r>
+            <a:r>
+              <a:rPr lang="de-DE" dirty="0"/>
+              <a:t> </a:t>
+            </a:r>
+            <a:r>
+              <a:rPr lang="de-DE" dirty="0" err="1"/>
+              <a:t>intensity</a:t>
+            </a:r>
+            <a:r>
+              <a:rPr lang="de-DE" dirty="0"/>
+              <a:t> </a:t>
+            </a:r>
+            <a:r>
+              <a:rPr lang="de-DE" dirty="0" err="1"/>
+              <a:t>of</a:t>
+            </a:r>
+            <a:r>
+              <a:rPr lang="de-DE" dirty="0"/>
+              <a:t> </a:t>
+            </a:r>
+            <a:r>
+              <a:rPr lang="de-DE" dirty="0" err="1"/>
+              <a:t>red</a:t>
+            </a:r>
+            <a:r>
+              <a:rPr lang="de-DE" dirty="0"/>
+              <a:t> </a:t>
+            </a:r>
+            <a:r>
+              <a:rPr lang="de-DE" dirty="0" err="1"/>
+              <a:t>is</a:t>
+            </a:r>
+            <a:r>
+              <a:rPr lang="de-DE" dirty="0"/>
+              <a:t> </a:t>
+            </a:r>
+            <a:r>
+              <a:rPr lang="de-DE" dirty="0" err="1"/>
+              <a:t>greater</a:t>
+            </a:r>
+            <a:r>
+              <a:rPr lang="de-DE" dirty="0"/>
+              <a:t> </a:t>
+            </a:r>
+            <a:r>
+              <a:rPr lang="de-DE" dirty="0" err="1"/>
+              <a:t>than</a:t>
+            </a:r>
+            <a:r>
+              <a:rPr lang="de-DE" dirty="0"/>
+              <a:t> </a:t>
+            </a:r>
+            <a:r>
+              <a:rPr lang="de-DE" dirty="0" err="1"/>
+              <a:t>the</a:t>
+            </a:r>
+            <a:r>
+              <a:rPr lang="de-DE" dirty="0"/>
+              <a:t> </a:t>
+            </a:r>
+            <a:r>
+              <a:rPr lang="de-DE" dirty="0" err="1"/>
+              <a:t>sum</a:t>
+            </a:r>
+            <a:r>
+              <a:rPr lang="de-DE" dirty="0"/>
+              <a:t> </a:t>
+            </a:r>
+            <a:r>
+              <a:rPr lang="de-DE" dirty="0" err="1"/>
+              <a:t>of</a:t>
+            </a:r>
+            <a:r>
+              <a:rPr lang="de-DE" dirty="0"/>
+              <a:t> </a:t>
+            </a:r>
+            <a:r>
+              <a:rPr lang="de-DE" dirty="0" err="1"/>
+              <a:t>green</a:t>
+            </a:r>
+            <a:r>
+              <a:rPr lang="de-DE" dirty="0"/>
+              <a:t> and </a:t>
+            </a:r>
+            <a:r>
+              <a:rPr lang="de-DE" dirty="0" err="1"/>
+              <a:t>blue</a:t>
+            </a:r>
+            <a:r>
+              <a:rPr lang="de-DE" dirty="0"/>
+              <a:t> </a:t>
+            </a:r>
+            <a:r>
+              <a:rPr lang="de-DE" dirty="0" err="1"/>
+              <a:t>intensity</a:t>
+            </a:r>
+            <a:r>
+              <a:rPr lang="de-DE" dirty="0"/>
+              <a:t>. </a:t>
+            </a:r>
+            <a:endParaRPr lang="en-DE" dirty="0"/>
+          </a:p>
+        </p:txBody>
+      </p:sp>
+    </p:spTree>
+    <p:extLst>
+      <p:ext uri="{BB962C8B-B14F-4D97-AF65-F5344CB8AC3E}">
+        <p14:creationId xmlns:p14="http://schemas.microsoft.com/office/powerpoint/2010/main" val="3431578842"/>
+      </p:ext>
+    </p:extLst>
+  </p:cSld>
+  <p:clrMapOvr>
+    <a:masterClrMapping/>
+  </p:clrMapOvr>
+</p:sld>
+</file>
+
+<file path=ppt/slides/slide10.xml><?xml version="1.0" encoding="utf-8"?>
+<p:sld xmlns:a="http://schemas.openxmlformats.org/drawingml/2006/main" xmlns:r="http://schemas.openxmlformats.org/officeDocument/2006/relationships" xmlns:p="http://schemas.openxmlformats.org/presentationml/2006/main">
+  <p:cSld>
+    <p:spTree>
+      <p:nvGrpSpPr>
+        <p:cNvPr id="1" name=""/>
+        <p:cNvGrpSpPr/>
+        <p:nvPr/>
+      </p:nvGrpSpPr>
+      <p:grpSpPr>
+        <a:xfrm>
+          <a:off x="0" y="0"/>
+          <a:ext cx="0" cy="0"/>
+          <a:chOff x="0" y="0"/>
+          <a:chExt cx="0" cy="0"/>
+        </a:xfrm>
+      </p:grpSpPr>
       <p:pic>
         <p:nvPicPr>
-          <p:cNvPr id="4" name="Picture 3">
-            <a:extLst>
-              <a:ext uri="{FF2B5EF4-FFF2-40B4-BE49-F238E27FC236}">
-                <a16:creationId xmlns:a16="http://schemas.microsoft.com/office/drawing/2014/main" id="{9CB9A2D9-5ACF-48D1-9C2B-7FA06664B473}"/>
+          <p:cNvPr id="5" name="Content Placeholder 4">
+            <a:extLst>
+              <a:ext uri="{FF2B5EF4-FFF2-40B4-BE49-F238E27FC236}">
+                <a16:creationId xmlns:a16="http://schemas.microsoft.com/office/drawing/2014/main" id="{BF70F653-2D75-4C16-BF76-5863D90D4F50}"/>
+              </a:ext>
+            </a:extLst>
+          </p:cNvPr>
+          <p:cNvPicPr>
+            <a:picLocks noGrp="1" noChangeAspect="1"/>
+          </p:cNvPicPr>
+          <p:nvPr>
+            <p:ph idx="1"/>
+          </p:nvPr>
+        </p:nvPicPr>
+        <p:blipFill>
+          <a:blip r:embed="rId2"/>
+          <a:stretch>
+            <a:fillRect/>
+          </a:stretch>
+        </p:blipFill>
+        <p:spPr>
+          <a:xfrm>
+            <a:off x="1652931" y="502438"/>
+            <a:ext cx="2753109" cy="2734057"/>
+          </a:xfrm>
+        </p:spPr>
+      </p:pic>
+      <p:pic>
+        <p:nvPicPr>
+          <p:cNvPr id="7" name="Picture 6">
+            <a:extLst>
+              <a:ext uri="{FF2B5EF4-FFF2-40B4-BE49-F238E27FC236}">
+                <a16:creationId xmlns:a16="http://schemas.microsoft.com/office/drawing/2014/main" id="{DF4A53A4-C186-405A-A53B-C23931AC2029}"/>
+              </a:ext>
+            </a:extLst>
+          </p:cNvPr>
+          <p:cNvPicPr>
+            <a:picLocks noChangeAspect="1"/>
+          </p:cNvPicPr>
+          <p:nvPr/>
+        </p:nvPicPr>
+        <p:blipFill>
+          <a:blip r:embed="rId3"/>
+          <a:stretch>
+            <a:fillRect/>
+          </a:stretch>
+        </p:blipFill>
+        <p:spPr>
+          <a:xfrm>
+            <a:off x="1686272" y="3577703"/>
+            <a:ext cx="2686425" cy="2686425"/>
+          </a:xfrm>
+          <a:prstGeom prst="rect">
+            <a:avLst/>
+          </a:prstGeom>
+        </p:spPr>
+      </p:pic>
+      <p:pic>
+        <p:nvPicPr>
+          <p:cNvPr id="9" name="Picture 8">
+            <a:extLst>
+              <a:ext uri="{FF2B5EF4-FFF2-40B4-BE49-F238E27FC236}">
+                <a16:creationId xmlns:a16="http://schemas.microsoft.com/office/drawing/2014/main" id="{CD4D00AE-A44A-4ACE-8781-9DA01448DBBC}"/>
+              </a:ext>
+            </a:extLst>
+          </p:cNvPr>
+          <p:cNvPicPr>
+            <a:picLocks noChangeAspect="1"/>
+          </p:cNvPicPr>
+          <p:nvPr/>
+        </p:nvPicPr>
+        <p:blipFill>
+          <a:blip r:embed="rId4"/>
+          <a:stretch>
+            <a:fillRect/>
+          </a:stretch>
+        </p:blipFill>
+        <p:spPr>
+          <a:xfrm>
+            <a:off x="4880629" y="502437"/>
+            <a:ext cx="2591162" cy="2543530"/>
+          </a:xfrm>
+          <a:prstGeom prst="rect">
+            <a:avLst/>
+          </a:prstGeom>
+        </p:spPr>
+      </p:pic>
+      <p:pic>
+        <p:nvPicPr>
+          <p:cNvPr id="11" name="Picture 10">
+            <a:extLst>
+              <a:ext uri="{FF2B5EF4-FFF2-40B4-BE49-F238E27FC236}">
+                <a16:creationId xmlns:a16="http://schemas.microsoft.com/office/drawing/2014/main" id="{12D5D71E-AAA3-4C89-B3BF-58E11BAEE1F7}"/>
+              </a:ext>
+            </a:extLst>
+          </p:cNvPr>
+          <p:cNvPicPr>
+            <a:picLocks noChangeAspect="1"/>
+          </p:cNvPicPr>
+          <p:nvPr/>
+        </p:nvPicPr>
+        <p:blipFill>
+          <a:blip r:embed="rId5"/>
+          <a:stretch>
+            <a:fillRect/>
+          </a:stretch>
+        </p:blipFill>
+        <p:spPr>
+          <a:xfrm>
+            <a:off x="4832998" y="3644387"/>
+            <a:ext cx="2638793" cy="2619741"/>
+          </a:xfrm>
+          <a:prstGeom prst="rect">
+            <a:avLst/>
+          </a:prstGeom>
+        </p:spPr>
+      </p:pic>
+      <p:pic>
+        <p:nvPicPr>
+          <p:cNvPr id="13" name="Picture 12">
+            <a:extLst>
+              <a:ext uri="{FF2B5EF4-FFF2-40B4-BE49-F238E27FC236}">
+                <a16:creationId xmlns:a16="http://schemas.microsoft.com/office/drawing/2014/main" id="{CDAF6E4F-CF01-4D1C-AD8F-CBDD3FB2F2ED}"/>
+              </a:ext>
+            </a:extLst>
+          </p:cNvPr>
+          <p:cNvPicPr>
+            <a:picLocks noChangeAspect="1"/>
+          </p:cNvPicPr>
+          <p:nvPr/>
+        </p:nvPicPr>
+        <p:blipFill>
+          <a:blip r:embed="rId6"/>
+          <a:stretch>
+            <a:fillRect/>
+          </a:stretch>
+        </p:blipFill>
+        <p:spPr>
+          <a:xfrm>
+            <a:off x="7946380" y="502437"/>
+            <a:ext cx="2514951" cy="2495898"/>
+          </a:xfrm>
+          <a:prstGeom prst="rect">
+            <a:avLst/>
+          </a:prstGeom>
+        </p:spPr>
+      </p:pic>
+      <p:pic>
+        <p:nvPicPr>
+          <p:cNvPr id="15" name="Picture 14">
+            <a:extLst>
+              <a:ext uri="{FF2B5EF4-FFF2-40B4-BE49-F238E27FC236}">
+                <a16:creationId xmlns:a16="http://schemas.microsoft.com/office/drawing/2014/main" id="{DD020A08-4829-46E8-9AA5-1FF1641B81C5}"/>
+              </a:ext>
+            </a:extLst>
+          </p:cNvPr>
+          <p:cNvPicPr>
+            <a:picLocks noChangeAspect="1"/>
+          </p:cNvPicPr>
+          <p:nvPr/>
+        </p:nvPicPr>
+        <p:blipFill>
+          <a:blip r:embed="rId7"/>
+          <a:stretch>
+            <a:fillRect/>
+          </a:stretch>
+        </p:blipFill>
+        <p:spPr>
+          <a:xfrm>
+            <a:off x="7946380" y="3644387"/>
+            <a:ext cx="2543530" cy="2543530"/>
+          </a:xfrm>
+          <a:prstGeom prst="rect">
+            <a:avLst/>
+          </a:prstGeom>
+        </p:spPr>
+      </p:pic>
+    </p:spTree>
+    <p:extLst>
+      <p:ext uri="{BB962C8B-B14F-4D97-AF65-F5344CB8AC3E}">
+        <p14:creationId xmlns:p14="http://schemas.microsoft.com/office/powerpoint/2010/main" val="3191652729"/>
+      </p:ext>
+    </p:extLst>
+  </p:cSld>
+  <p:clrMapOvr>
+    <a:masterClrMapping/>
+  </p:clrMapOvr>
+</p:sld>
+</file>
+
+<file path=ppt/slides/slide11.xml><?xml version="1.0" encoding="utf-8"?>
+<p:sld xmlns:a="http://schemas.openxmlformats.org/drawingml/2006/main" xmlns:r="http://schemas.openxmlformats.org/officeDocument/2006/relationships" xmlns:p="http://schemas.openxmlformats.org/presentationml/2006/main">
+  <p:cSld>
+    <p:spTree>
+      <p:nvGrpSpPr>
+        <p:cNvPr id="1" name=""/>
+        <p:cNvGrpSpPr/>
+        <p:nvPr/>
+      </p:nvGrpSpPr>
+      <p:grpSpPr>
+        <a:xfrm>
+          <a:off x="0" y="0"/>
+          <a:ext cx="0" cy="0"/>
+          <a:chOff x="0" y="0"/>
+          <a:chExt cx="0" cy="0"/>
+        </a:xfrm>
+      </p:grpSpPr>
+      <p:sp>
+        <p:nvSpPr>
+          <p:cNvPr id="2" name="Title 1">
+            <a:extLst>
+              <a:ext uri="{FF2B5EF4-FFF2-40B4-BE49-F238E27FC236}">
+                <a16:creationId xmlns:a16="http://schemas.microsoft.com/office/drawing/2014/main" id="{CC03DAEE-6748-4710-8235-AD75894724F2}"/>
+              </a:ext>
+            </a:extLst>
+          </p:cNvPr>
+          <p:cNvSpPr>
+            <a:spLocks noGrp="1"/>
+          </p:cNvSpPr>
+          <p:nvPr>
+            <p:ph type="title"/>
+          </p:nvPr>
+        </p:nvSpPr>
+        <p:spPr/>
+        <p:txBody>
+          <a:bodyPr/>
+          <a:lstStyle/>
+          <a:p>
+            <a:r>
+              <a:rPr lang="en-GB" dirty="0"/>
+              <a:t>Problem 5 </a:t>
+            </a:r>
+            <a:endParaRPr lang="en-DE" dirty="0"/>
+          </a:p>
+        </p:txBody>
+      </p:sp>
+      <p:sp>
+        <p:nvSpPr>
+          <p:cNvPr id="3" name="Content Placeholder 2">
+            <a:extLst>
+              <a:ext uri="{FF2B5EF4-FFF2-40B4-BE49-F238E27FC236}">
+                <a16:creationId xmlns:a16="http://schemas.microsoft.com/office/drawing/2014/main" id="{B67BBEDC-D204-4962-A9AB-30E35F05C9CD}"/>
+              </a:ext>
+            </a:extLst>
+          </p:cNvPr>
+          <p:cNvSpPr>
+            <a:spLocks noGrp="1"/>
+          </p:cNvSpPr>
+          <p:nvPr>
+            <p:ph idx="1"/>
+          </p:nvPr>
+        </p:nvSpPr>
+        <p:spPr/>
+        <p:txBody>
+          <a:bodyPr/>
+          <a:lstStyle/>
+          <a:p>
+            <a:r>
+              <a:rPr lang="en-GB" dirty="0"/>
+              <a:t>After reading and binarizing the image an image offset is defined. Global variables for image, empty labels and current label are defined. A recursive function the goes to each pixel observes its neighbours and once some active pixels are found they are replaced with ‘current label</a:t>
+            </a:r>
+            <a:r>
+              <a:rPr lang="de-DE" dirty="0"/>
+              <a:t>‘</a:t>
+            </a:r>
+            <a:r>
+              <a:rPr lang="en-GB" dirty="0"/>
+              <a:t> variable. The variable is incremented once neighbours different than the current label are found. </a:t>
+            </a:r>
+          </a:p>
+        </p:txBody>
+      </p:sp>
+    </p:spTree>
+    <p:extLst>
+      <p:ext uri="{BB962C8B-B14F-4D97-AF65-F5344CB8AC3E}">
+        <p14:creationId xmlns:p14="http://schemas.microsoft.com/office/powerpoint/2010/main" val="2889164641"/>
+      </p:ext>
+    </p:extLst>
+  </p:cSld>
+  <p:clrMapOvr>
+    <a:masterClrMapping/>
+  </p:clrMapOvr>
+</p:sld>
+</file>
+
+<file path=ppt/slides/slide12.xml><?xml version="1.0" encoding="utf-8"?>
+<p:sld xmlns:a="http://schemas.openxmlformats.org/drawingml/2006/main" xmlns:r="http://schemas.openxmlformats.org/officeDocument/2006/relationships" xmlns:p="http://schemas.openxmlformats.org/presentationml/2006/main">
+  <p:cSld>
+    <p:spTree>
+      <p:nvGrpSpPr>
+        <p:cNvPr id="1" name=""/>
+        <p:cNvGrpSpPr/>
+        <p:nvPr/>
+      </p:nvGrpSpPr>
+      <p:grpSpPr>
+        <a:xfrm>
+          <a:off x="0" y="0"/>
+          <a:ext cx="0" cy="0"/>
+          <a:chOff x="0" y="0"/>
+          <a:chExt cx="0" cy="0"/>
+        </a:xfrm>
+      </p:grpSpPr>
+      <p:pic>
+        <p:nvPicPr>
+          <p:cNvPr id="5" name="Picture 4">
+            <a:extLst>
+              <a:ext uri="{FF2B5EF4-FFF2-40B4-BE49-F238E27FC236}">
+                <a16:creationId xmlns:a16="http://schemas.microsoft.com/office/drawing/2014/main" id="{8DBFBB61-C6D1-4755-A065-48E0AA12C4E4}"/>
               </a:ext>
             </a:extLst>
           </p:cNvPr>
@@ -3367,8 +4358,8 @@
         </p:blipFill>
         <p:spPr>
           <a:xfrm>
-            <a:off x="592728" y="902579"/>
-            <a:ext cx="3282961" cy="2638996"/>
+            <a:off x="1046072" y="2400877"/>
+            <a:ext cx="2495898" cy="2505425"/>
           </a:xfrm>
           <a:prstGeom prst="rect">
             <a:avLst/>
@@ -3377,10 +4368,10 @@
       </p:pic>
       <p:pic>
         <p:nvPicPr>
-          <p:cNvPr id="5" name="Picture 4">
-            <a:extLst>
-              <a:ext uri="{FF2B5EF4-FFF2-40B4-BE49-F238E27FC236}">
-                <a16:creationId xmlns:a16="http://schemas.microsoft.com/office/drawing/2014/main" id="{0DBAA263-D17B-4563-938A-A7FBF1C2DE3A}"/>
+          <p:cNvPr id="7" name="Picture 6">
+            <a:extLst>
+              <a:ext uri="{FF2B5EF4-FFF2-40B4-BE49-F238E27FC236}">
+                <a16:creationId xmlns:a16="http://schemas.microsoft.com/office/drawing/2014/main" id="{5D444C21-9F3E-4FF8-B1F3-0CB23BCB394A}"/>
               </a:ext>
             </a:extLst>
           </p:cNvPr>
@@ -3397,8 +4388,8 @@
         </p:blipFill>
         <p:spPr>
           <a:xfrm>
-            <a:off x="4410441" y="908614"/>
-            <a:ext cx="3371117" cy="2645030"/>
+            <a:off x="3825681" y="2384825"/>
+            <a:ext cx="2591162" cy="2591162"/>
           </a:xfrm>
           <a:prstGeom prst="rect">
             <a:avLst/>
@@ -3407,10 +4398,10 @@
       </p:pic>
       <p:pic>
         <p:nvPicPr>
-          <p:cNvPr id="6" name="Picture 5">
-            <a:extLst>
-              <a:ext uri="{FF2B5EF4-FFF2-40B4-BE49-F238E27FC236}">
-                <a16:creationId xmlns:a16="http://schemas.microsoft.com/office/drawing/2014/main" id="{F012D609-3D18-4AA8-B4E4-5D7460B3B0AA}"/>
+          <p:cNvPr id="9" name="Picture 8">
+            <a:extLst>
+              <a:ext uri="{FF2B5EF4-FFF2-40B4-BE49-F238E27FC236}">
+                <a16:creationId xmlns:a16="http://schemas.microsoft.com/office/drawing/2014/main" id="{C8B217AC-C981-4A8D-A2E1-3F481A27C7FD}"/>
               </a:ext>
             </a:extLst>
           </p:cNvPr>
@@ -3427,162 +4418,296 @@
         </p:blipFill>
         <p:spPr>
           <a:xfrm>
-            <a:off x="8316310" y="908613"/>
-            <a:ext cx="3440932" cy="2645030"/>
+            <a:off x="6559961" y="2358008"/>
+            <a:ext cx="2476846" cy="2591162"/>
           </a:xfrm>
           <a:prstGeom prst="rect">
             <a:avLst/>
           </a:prstGeom>
         </p:spPr>
       </p:pic>
-      <p:sp>
-        <p:nvSpPr>
-          <p:cNvPr id="7" name="TextBox 6">
-            <a:extLst>
-              <a:ext uri="{FF2B5EF4-FFF2-40B4-BE49-F238E27FC236}">
-                <a16:creationId xmlns:a16="http://schemas.microsoft.com/office/drawing/2014/main" id="{10F08D93-8E77-4F00-996D-EB0D67789B19}"/>
-              </a:ext>
-            </a:extLst>
-          </p:cNvPr>
-          <p:cNvSpPr txBox="1"/>
+      <p:pic>
+        <p:nvPicPr>
+          <p:cNvPr id="11" name="Picture 10">
+            <a:extLst>
+              <a:ext uri="{FF2B5EF4-FFF2-40B4-BE49-F238E27FC236}">
+                <a16:creationId xmlns:a16="http://schemas.microsoft.com/office/drawing/2014/main" id="{8CA61AE5-48C2-4135-8BDC-D6BD24C3C38B}"/>
+              </a:ext>
+            </a:extLst>
+          </p:cNvPr>
+          <p:cNvPicPr>
+            <a:picLocks noChangeAspect="1"/>
+          </p:cNvPicPr>
           <p:nvPr/>
-        </p:nvSpPr>
+        </p:nvPicPr>
+        <p:blipFill>
+          <a:blip r:embed="rId5"/>
+          <a:stretch>
+            <a:fillRect/>
+          </a:stretch>
+        </p:blipFill>
         <p:spPr>
           <a:xfrm>
-            <a:off x="4737870" y="129787"/>
-            <a:ext cx="2928292" cy="400110"/>
+            <a:off x="9179925" y="2324667"/>
+            <a:ext cx="2562583" cy="2581635"/>
           </a:xfrm>
           <a:prstGeom prst="rect">
             <a:avLst/>
           </a:prstGeom>
-          <a:noFill/>
         </p:spPr>
-        <p:txBody>
-          <a:bodyPr wrap="square" rtlCol="0">
-            <a:spAutoFit/>
-          </a:bodyPr>
+      </p:pic>
+    </p:spTree>
+    <p:extLst>
+      <p:ext uri="{BB962C8B-B14F-4D97-AF65-F5344CB8AC3E}">
+        <p14:creationId xmlns:p14="http://schemas.microsoft.com/office/powerpoint/2010/main" val="1832528297"/>
+      </p:ext>
+    </p:extLst>
+  </p:cSld>
+  <p:clrMapOvr>
+    <a:masterClrMapping/>
+  </p:clrMapOvr>
+</p:sld>
+</file>
+
+<file path=ppt/slides/slide13.xml><?xml version="1.0" encoding="utf-8"?>
+<p:sld xmlns:a="http://schemas.openxmlformats.org/drawingml/2006/main" xmlns:r="http://schemas.openxmlformats.org/officeDocument/2006/relationships" xmlns:p="http://schemas.openxmlformats.org/presentationml/2006/main">
+  <p:cSld>
+    <p:spTree>
+      <p:nvGrpSpPr>
+        <p:cNvPr id="1" name=""/>
+        <p:cNvGrpSpPr/>
+        <p:nvPr/>
+      </p:nvGrpSpPr>
+      <p:grpSpPr>
+        <a:xfrm>
+          <a:off x="0" y="0"/>
+          <a:ext cx="0" cy="0"/>
+          <a:chOff x="0" y="0"/>
+          <a:chExt cx="0" cy="0"/>
+        </a:xfrm>
+      </p:grpSpPr>
+      <p:sp>
+        <p:nvSpPr>
+          <p:cNvPr id="2" name="Title 1">
+            <a:extLst>
+              <a:ext uri="{FF2B5EF4-FFF2-40B4-BE49-F238E27FC236}">
+                <a16:creationId xmlns:a16="http://schemas.microsoft.com/office/drawing/2014/main" id="{B0233878-E082-4655-8CA8-D1EBF10FBEAC}"/>
+              </a:ext>
+            </a:extLst>
+          </p:cNvPr>
+          <p:cNvSpPr>
+            <a:spLocks noGrp="1"/>
+          </p:cNvSpPr>
+          <p:nvPr>
+            <p:ph type="title"/>
+          </p:nvPr>
+        </p:nvSpPr>
+        <p:spPr/>
+        <p:txBody>
+          <a:bodyPr/>
           <a:lstStyle/>
           <a:p>
             <a:r>
-              <a:rPr lang="de-DE" sz="2000" b="1" dirty="0"/>
-              <a:t>Color Channel Heat Maps </a:t>
-            </a:r>
-            <a:endParaRPr lang="en-DE" sz="2000" b="1" dirty="0"/>
-          </a:p>
-        </p:txBody>
-      </p:sp>
-      <p:sp>
-        <p:nvSpPr>
-          <p:cNvPr id="9" name="TextBox 8">
-            <a:extLst>
-              <a:ext uri="{FF2B5EF4-FFF2-40B4-BE49-F238E27FC236}">
-                <a16:creationId xmlns:a16="http://schemas.microsoft.com/office/drawing/2014/main" id="{43009852-CF4F-4275-9FCC-57A6EA2FA70E}"/>
-              </a:ext>
-            </a:extLst>
-          </p:cNvPr>
-          <p:cNvSpPr txBox="1"/>
+              <a:rPr lang="de-DE" dirty="0"/>
+              <a:t>Problem 6</a:t>
+            </a:r>
+            <a:endParaRPr lang="en-DE" dirty="0"/>
+          </a:p>
+        </p:txBody>
+      </p:sp>
+      <p:sp>
+        <p:nvSpPr>
+          <p:cNvPr id="3" name="Content Placeholder 2">
+            <a:extLst>
+              <a:ext uri="{FF2B5EF4-FFF2-40B4-BE49-F238E27FC236}">
+                <a16:creationId xmlns:a16="http://schemas.microsoft.com/office/drawing/2014/main" id="{9E9B690C-7AAE-4437-9442-C246C5E06121}"/>
+              </a:ext>
+            </a:extLst>
+          </p:cNvPr>
+          <p:cNvSpPr>
+            <a:spLocks noGrp="1"/>
+          </p:cNvSpPr>
+          <p:nvPr>
+            <p:ph idx="1"/>
+          </p:nvPr>
+        </p:nvSpPr>
+        <p:spPr/>
+        <p:txBody>
+          <a:bodyPr/>
+          <a:lstStyle/>
+          <a:p>
+            <a:r>
+              <a:rPr lang="en-GB" dirty="0"/>
+              <a:t>After reading and binarizing the image an image offset is defined. Global variables for image, empty labels and current label are defined. A recursive function the goes to each pixel observes its neighbours and once some active pixels are found they are replaced with ‘current label</a:t>
+            </a:r>
+            <a:r>
+              <a:rPr lang="de-DE" dirty="0"/>
+              <a:t>‘</a:t>
+            </a:r>
+            <a:r>
+              <a:rPr lang="en-GB" dirty="0"/>
+              <a:t> variable. The variable is incremented once neighbours different than the current label are found. </a:t>
+            </a:r>
+          </a:p>
+          <a:p>
+            <a:endParaRPr lang="en-DE" dirty="0"/>
+          </a:p>
+        </p:txBody>
+      </p:sp>
+    </p:spTree>
+    <p:extLst>
+      <p:ext uri="{BB962C8B-B14F-4D97-AF65-F5344CB8AC3E}">
+        <p14:creationId xmlns:p14="http://schemas.microsoft.com/office/powerpoint/2010/main" val="2471611950"/>
+      </p:ext>
+    </p:extLst>
+  </p:cSld>
+  <p:clrMapOvr>
+    <a:masterClrMapping/>
+  </p:clrMapOvr>
+</p:sld>
+</file>
+
+<file path=ppt/slides/slide14.xml><?xml version="1.0" encoding="utf-8"?>
+<p:sld xmlns:a="http://schemas.openxmlformats.org/drawingml/2006/main" xmlns:r="http://schemas.openxmlformats.org/officeDocument/2006/relationships" xmlns:p="http://schemas.openxmlformats.org/presentationml/2006/main">
+  <p:cSld>
+    <p:spTree>
+      <p:nvGrpSpPr>
+        <p:cNvPr id="1" name=""/>
+        <p:cNvGrpSpPr/>
+        <p:nvPr/>
+      </p:nvGrpSpPr>
+      <p:grpSpPr>
+        <a:xfrm>
+          <a:off x="0" y="0"/>
+          <a:ext cx="0" cy="0"/>
+          <a:chOff x="0" y="0"/>
+          <a:chExt cx="0" cy="0"/>
+        </a:xfrm>
+      </p:grpSpPr>
+      <p:pic>
+        <p:nvPicPr>
+          <p:cNvPr id="5" name="Picture 4">
+            <a:extLst>
+              <a:ext uri="{FF2B5EF4-FFF2-40B4-BE49-F238E27FC236}">
+                <a16:creationId xmlns:a16="http://schemas.microsoft.com/office/drawing/2014/main" id="{2B098EB3-CF6C-461E-B40D-40417F18250F}"/>
+              </a:ext>
+            </a:extLst>
+          </p:cNvPr>
+          <p:cNvPicPr>
+            <a:picLocks noChangeAspect="1"/>
+          </p:cNvPicPr>
           <p:nvPr/>
-        </p:nvSpPr>
+        </p:nvPicPr>
+        <p:blipFill>
+          <a:blip r:embed="rId2"/>
+          <a:stretch>
+            <a:fillRect/>
+          </a:stretch>
+        </p:blipFill>
         <p:spPr>
           <a:xfrm>
-            <a:off x="1962755" y="3595034"/>
-            <a:ext cx="542906" cy="369332"/>
+            <a:off x="637246" y="1987287"/>
+            <a:ext cx="2543530" cy="2562583"/>
           </a:xfrm>
           <a:prstGeom prst="rect">
             <a:avLst/>
           </a:prstGeom>
-          <a:noFill/>
         </p:spPr>
-        <p:txBody>
-          <a:bodyPr wrap="none" rtlCol="0">
-            <a:spAutoFit/>
-          </a:bodyPr>
-          <a:lstStyle/>
-          <a:p>
-            <a:r>
-              <a:rPr lang="de-DE" dirty="0" err="1"/>
-              <a:t>Red</a:t>
-            </a:r>
-            <a:endParaRPr lang="en-DE" dirty="0"/>
-          </a:p>
-        </p:txBody>
-      </p:sp>
-      <p:sp>
-        <p:nvSpPr>
-          <p:cNvPr id="10" name="TextBox 9">
-            <a:extLst>
-              <a:ext uri="{FF2B5EF4-FFF2-40B4-BE49-F238E27FC236}">
-                <a16:creationId xmlns:a16="http://schemas.microsoft.com/office/drawing/2014/main" id="{DA0FD682-6FBE-45C0-9245-B99E95E4DED3}"/>
-              </a:ext>
-            </a:extLst>
-          </p:cNvPr>
-          <p:cNvSpPr txBox="1"/>
+      </p:pic>
+      <p:pic>
+        <p:nvPicPr>
+          <p:cNvPr id="7" name="Picture 6">
+            <a:extLst>
+              <a:ext uri="{FF2B5EF4-FFF2-40B4-BE49-F238E27FC236}">
+                <a16:creationId xmlns:a16="http://schemas.microsoft.com/office/drawing/2014/main" id="{A2E7A226-60B8-4BFE-89F1-96C85C0E920D}"/>
+              </a:ext>
+            </a:extLst>
+          </p:cNvPr>
+          <p:cNvPicPr>
+            <a:picLocks noChangeAspect="1"/>
+          </p:cNvPicPr>
           <p:nvPr/>
-        </p:nvSpPr>
+        </p:nvPicPr>
+        <p:blipFill>
+          <a:blip r:embed="rId3"/>
+          <a:stretch>
+            <a:fillRect/>
+          </a:stretch>
+        </p:blipFill>
         <p:spPr>
           <a:xfrm>
-            <a:off x="5715831" y="3595034"/>
-            <a:ext cx="760336" cy="369332"/>
+            <a:off x="3837398" y="2040929"/>
+            <a:ext cx="2495898" cy="2553056"/>
           </a:xfrm>
           <a:prstGeom prst="rect">
             <a:avLst/>
           </a:prstGeom>
-          <a:noFill/>
         </p:spPr>
-        <p:txBody>
-          <a:bodyPr wrap="none" rtlCol="0">
-            <a:spAutoFit/>
-          </a:bodyPr>
-          <a:lstStyle/>
-          <a:p>
-            <a:r>
-              <a:rPr lang="de-DE" dirty="0"/>
-              <a:t>Green</a:t>
-            </a:r>
-            <a:endParaRPr lang="en-DE" dirty="0"/>
-          </a:p>
-        </p:txBody>
-      </p:sp>
-      <p:sp>
-        <p:nvSpPr>
-          <p:cNvPr id="11" name="TextBox 10">
-            <a:extLst>
-              <a:ext uri="{FF2B5EF4-FFF2-40B4-BE49-F238E27FC236}">
-                <a16:creationId xmlns:a16="http://schemas.microsoft.com/office/drawing/2014/main" id="{38FFDC4B-26A5-4606-A1CB-33B3D9700670}"/>
-              </a:ext>
-            </a:extLst>
-          </p:cNvPr>
-          <p:cNvSpPr txBox="1"/>
+      </p:pic>
+      <p:pic>
+        <p:nvPicPr>
+          <p:cNvPr id="9" name="Picture 8">
+            <a:extLst>
+              <a:ext uri="{FF2B5EF4-FFF2-40B4-BE49-F238E27FC236}">
+                <a16:creationId xmlns:a16="http://schemas.microsoft.com/office/drawing/2014/main" id="{30CD9A4C-C413-44D8-8575-32F400922CCA}"/>
+              </a:ext>
+            </a:extLst>
+          </p:cNvPr>
+          <p:cNvPicPr>
+            <a:picLocks noChangeAspect="1"/>
+          </p:cNvPicPr>
           <p:nvPr/>
-        </p:nvSpPr>
+        </p:nvPicPr>
+        <p:blipFill>
+          <a:blip r:embed="rId4"/>
+          <a:stretch>
+            <a:fillRect/>
+          </a:stretch>
+        </p:blipFill>
         <p:spPr>
           <a:xfrm>
-            <a:off x="9736854" y="3622383"/>
-            <a:ext cx="599844" cy="369332"/>
+            <a:off x="6776609" y="1987287"/>
+            <a:ext cx="2553056" cy="2562583"/>
           </a:xfrm>
           <a:prstGeom prst="rect">
             <a:avLst/>
           </a:prstGeom>
-          <a:noFill/>
         </p:spPr>
-        <p:txBody>
-          <a:bodyPr wrap="none" rtlCol="0">
-            <a:spAutoFit/>
-          </a:bodyPr>
-          <a:lstStyle/>
-          <a:p>
-            <a:r>
-              <a:rPr lang="de-DE" dirty="0"/>
-              <a:t>Blue</a:t>
-            </a:r>
-            <a:endParaRPr lang="en-DE" dirty="0"/>
-          </a:p>
-        </p:txBody>
-      </p:sp>
+      </p:pic>
+      <p:pic>
+        <p:nvPicPr>
+          <p:cNvPr id="11" name="Picture 10">
+            <a:extLst>
+              <a:ext uri="{FF2B5EF4-FFF2-40B4-BE49-F238E27FC236}">
+                <a16:creationId xmlns:a16="http://schemas.microsoft.com/office/drawing/2014/main" id="{330B1842-85D5-4143-A02E-876466FA30CD}"/>
+              </a:ext>
+            </a:extLst>
+          </p:cNvPr>
+          <p:cNvPicPr>
+            <a:picLocks noChangeAspect="1"/>
+          </p:cNvPicPr>
+          <p:nvPr/>
+        </p:nvPicPr>
+        <p:blipFill>
+          <a:blip r:embed="rId5"/>
+          <a:stretch>
+            <a:fillRect/>
+          </a:stretch>
+        </p:blipFill>
+        <p:spPr>
+          <a:xfrm>
+            <a:off x="9657996" y="1987287"/>
+            <a:ext cx="2534004" cy="2505425"/>
+          </a:xfrm>
+          <a:prstGeom prst="rect">
+            <a:avLst/>
+          </a:prstGeom>
+        </p:spPr>
+      </p:pic>
     </p:spTree>
     <p:extLst>
       <p:ext uri="{BB962C8B-B14F-4D97-AF65-F5344CB8AC3E}">
-        <p14:creationId xmlns:p14="http://schemas.microsoft.com/office/powerpoint/2010/main" val="4180355208"/>
+        <p14:creationId xmlns:p14="http://schemas.microsoft.com/office/powerpoint/2010/main" val="4138392619"/>
       </p:ext>
     </p:extLst>
   </p:cSld>
@@ -3614,7 +4739,7 @@
           <p:cNvPr id="4" name="Picture 3">
             <a:extLst>
               <a:ext uri="{FF2B5EF4-FFF2-40B4-BE49-F238E27FC236}">
-                <a16:creationId xmlns:a16="http://schemas.microsoft.com/office/drawing/2014/main" id="{0D9E9C35-5FAE-4D1E-A00D-1F610DC108C0}"/>
+                <a16:creationId xmlns:a16="http://schemas.microsoft.com/office/drawing/2014/main" id="{9CB9A2D9-5ACF-48D1-9C2B-7FA06664B473}"/>
               </a:ext>
             </a:extLst>
           </p:cNvPr>
@@ -3631,8 +4756,8 @@
         </p:blipFill>
         <p:spPr>
           <a:xfrm>
-            <a:off x="769662" y="1156156"/>
-            <a:ext cx="4438945" cy="3427540"/>
+            <a:off x="592728" y="902579"/>
+            <a:ext cx="3282961" cy="2638996"/>
           </a:xfrm>
           <a:prstGeom prst="rect">
             <a:avLst/>
@@ -3641,10 +4766,10 @@
       </p:pic>
       <p:pic>
         <p:nvPicPr>
-          <p:cNvPr id="6" name="Picture 5">
-            <a:extLst>
-              <a:ext uri="{FF2B5EF4-FFF2-40B4-BE49-F238E27FC236}">
-                <a16:creationId xmlns:a16="http://schemas.microsoft.com/office/drawing/2014/main" id="{133E5FD9-1C7F-40E3-9371-34F78CAFB0FE}"/>
+          <p:cNvPr id="5" name="Picture 4">
+            <a:extLst>
+              <a:ext uri="{FF2B5EF4-FFF2-40B4-BE49-F238E27FC236}">
+                <a16:creationId xmlns:a16="http://schemas.microsoft.com/office/drawing/2014/main" id="{0DBAA263-D17B-4563-938A-A7FBF1C2DE3A}"/>
               </a:ext>
             </a:extLst>
           </p:cNvPr>
@@ -3661,20 +4786,50 @@
         </p:blipFill>
         <p:spPr>
           <a:xfrm>
-            <a:off x="5788726" y="1156156"/>
-            <a:ext cx="4438945" cy="3430094"/>
+            <a:off x="4410441" y="908614"/>
+            <a:ext cx="3371117" cy="2645030"/>
           </a:xfrm>
           <a:prstGeom prst="rect">
             <a:avLst/>
           </a:prstGeom>
         </p:spPr>
       </p:pic>
+      <p:pic>
+        <p:nvPicPr>
+          <p:cNvPr id="6" name="Picture 5">
+            <a:extLst>
+              <a:ext uri="{FF2B5EF4-FFF2-40B4-BE49-F238E27FC236}">
+                <a16:creationId xmlns:a16="http://schemas.microsoft.com/office/drawing/2014/main" id="{F012D609-3D18-4AA8-B4E4-5D7460B3B0AA}"/>
+              </a:ext>
+            </a:extLst>
+          </p:cNvPr>
+          <p:cNvPicPr>
+            <a:picLocks noChangeAspect="1"/>
+          </p:cNvPicPr>
+          <p:nvPr/>
+        </p:nvPicPr>
+        <p:blipFill>
+          <a:blip r:embed="rId4"/>
+          <a:stretch>
+            <a:fillRect/>
+          </a:stretch>
+        </p:blipFill>
+        <p:spPr>
+          <a:xfrm>
+            <a:off x="8316310" y="908613"/>
+            <a:ext cx="3440932" cy="2645030"/>
+          </a:xfrm>
+          <a:prstGeom prst="rect">
+            <a:avLst/>
+          </a:prstGeom>
+        </p:spPr>
+      </p:pic>
       <p:sp>
         <p:nvSpPr>
           <p:cNvPr id="7" name="TextBox 6">
             <a:extLst>
               <a:ext uri="{FF2B5EF4-FFF2-40B4-BE49-F238E27FC236}">
-                <a16:creationId xmlns:a16="http://schemas.microsoft.com/office/drawing/2014/main" id="{2D63E835-C437-45BB-81A4-3DDC27F763FE}"/>
+                <a16:creationId xmlns:a16="http://schemas.microsoft.com/office/drawing/2014/main" id="{10F08D93-8E77-4F00-996D-EB0D67789B19}"/>
               </a:ext>
             </a:extLst>
           </p:cNvPr>
@@ -3683,8 +4838,8 @@
         </p:nvSpPr>
         <p:spPr>
           <a:xfrm>
-            <a:off x="1979271" y="5416952"/>
-            <a:ext cx="1795043" cy="369332"/>
+            <a:off x="4737870" y="129787"/>
+            <a:ext cx="2928292" cy="400110"/>
           </a:xfrm>
           <a:prstGeom prst="rect">
             <a:avLst/>
@@ -3692,29 +4847,25 @@
           <a:noFill/>
         </p:spPr>
         <p:txBody>
-          <a:bodyPr wrap="none" rtlCol="0">
+          <a:bodyPr wrap="square" rtlCol="0">
             <a:spAutoFit/>
           </a:bodyPr>
           <a:lstStyle/>
           <a:p>
             <a:r>
-              <a:rPr lang="de-DE" dirty="0" err="1"/>
-              <a:t>Red</a:t>
-            </a:r>
-            <a:r>
-              <a:rPr lang="de-DE" dirty="0"/>
-              <a:t> minus Green</a:t>
-            </a:r>
-            <a:endParaRPr lang="en-DE" dirty="0"/>
-          </a:p>
-        </p:txBody>
-      </p:sp>
-      <p:sp>
-        <p:nvSpPr>
-          <p:cNvPr id="8" name="TextBox 7">
-            <a:extLst>
-              <a:ext uri="{FF2B5EF4-FFF2-40B4-BE49-F238E27FC236}">
-                <a16:creationId xmlns:a16="http://schemas.microsoft.com/office/drawing/2014/main" id="{F6F8F934-C5CF-4CB1-80EF-47155C8022AF}"/>
+              <a:rPr lang="de-DE" sz="2000" b="1" dirty="0"/>
+              <a:t>Color Channel Heat Maps </a:t>
+            </a:r>
+            <a:endParaRPr lang="en-DE" sz="2000" b="1" dirty="0"/>
+          </a:p>
+        </p:txBody>
+      </p:sp>
+      <p:sp>
+        <p:nvSpPr>
+          <p:cNvPr id="9" name="TextBox 8">
+            <a:extLst>
+              <a:ext uri="{FF2B5EF4-FFF2-40B4-BE49-F238E27FC236}">
+                <a16:creationId xmlns:a16="http://schemas.microsoft.com/office/drawing/2014/main" id="{43009852-CF4F-4275-9FCC-57A6EA2FA70E}"/>
               </a:ext>
             </a:extLst>
           </p:cNvPr>
@@ -3723,8 +4874,8 @@
         </p:nvSpPr>
         <p:spPr>
           <a:xfrm>
-            <a:off x="7199453" y="5416952"/>
-            <a:ext cx="1647374" cy="369332"/>
+            <a:off x="1962755" y="3595034"/>
+            <a:ext cx="542906" cy="369332"/>
           </a:xfrm>
           <a:prstGeom prst="rect">
             <a:avLst/>
@@ -3741,9 +4892,77 @@
               <a:rPr lang="de-DE" dirty="0" err="1"/>
               <a:t>Red</a:t>
             </a:r>
-            <a:r>
-              <a:rPr lang="de-DE" dirty="0"/>
-              <a:t> Minus Blue</a:t>
+            <a:endParaRPr lang="en-DE" dirty="0"/>
+          </a:p>
+        </p:txBody>
+      </p:sp>
+      <p:sp>
+        <p:nvSpPr>
+          <p:cNvPr id="10" name="TextBox 9">
+            <a:extLst>
+              <a:ext uri="{FF2B5EF4-FFF2-40B4-BE49-F238E27FC236}">
+                <a16:creationId xmlns:a16="http://schemas.microsoft.com/office/drawing/2014/main" id="{DA0FD682-6FBE-45C0-9245-B99E95E4DED3}"/>
+              </a:ext>
+            </a:extLst>
+          </p:cNvPr>
+          <p:cNvSpPr txBox="1"/>
+          <p:nvPr/>
+        </p:nvSpPr>
+        <p:spPr>
+          <a:xfrm>
+            <a:off x="5715831" y="3595034"/>
+            <a:ext cx="760336" cy="369332"/>
+          </a:xfrm>
+          <a:prstGeom prst="rect">
+            <a:avLst/>
+          </a:prstGeom>
+          <a:noFill/>
+        </p:spPr>
+        <p:txBody>
+          <a:bodyPr wrap="none" rtlCol="0">
+            <a:spAutoFit/>
+          </a:bodyPr>
+          <a:lstStyle/>
+          <a:p>
+            <a:r>
+              <a:rPr lang="de-DE" dirty="0"/>
+              <a:t>Green</a:t>
+            </a:r>
+            <a:endParaRPr lang="en-DE" dirty="0"/>
+          </a:p>
+        </p:txBody>
+      </p:sp>
+      <p:sp>
+        <p:nvSpPr>
+          <p:cNvPr id="11" name="TextBox 10">
+            <a:extLst>
+              <a:ext uri="{FF2B5EF4-FFF2-40B4-BE49-F238E27FC236}">
+                <a16:creationId xmlns:a16="http://schemas.microsoft.com/office/drawing/2014/main" id="{38FFDC4B-26A5-4606-A1CB-33B3D9700670}"/>
+              </a:ext>
+            </a:extLst>
+          </p:cNvPr>
+          <p:cNvSpPr txBox="1"/>
+          <p:nvPr/>
+        </p:nvSpPr>
+        <p:spPr>
+          <a:xfrm>
+            <a:off x="9736854" y="3622383"/>
+            <a:ext cx="599844" cy="369332"/>
+          </a:xfrm>
+          <a:prstGeom prst="rect">
+            <a:avLst/>
+          </a:prstGeom>
+          <a:noFill/>
+        </p:spPr>
+        <p:txBody>
+          <a:bodyPr wrap="none" rtlCol="0">
+            <a:spAutoFit/>
+          </a:bodyPr>
+          <a:lstStyle/>
+          <a:p>
+            <a:r>
+              <a:rPr lang="de-DE" dirty="0"/>
+              <a:t>Blue</a:t>
             </a:r>
             <a:endParaRPr lang="en-DE" dirty="0"/>
           </a:p>
@@ -3752,7 +4971,7 @@
     </p:spTree>
     <p:extLst>
       <p:ext uri="{BB962C8B-B14F-4D97-AF65-F5344CB8AC3E}">
-        <p14:creationId xmlns:p14="http://schemas.microsoft.com/office/powerpoint/2010/main" val="2915789951"/>
+        <p14:creationId xmlns:p14="http://schemas.microsoft.com/office/powerpoint/2010/main" val="4180355208"/>
       </p:ext>
     </p:extLst>
   </p:cSld>
@@ -3779,30 +4998,101 @@
           <a:chExt cx="0" cy="0"/>
         </a:xfrm>
       </p:grpSpPr>
-      <p:sp>
-        <p:nvSpPr>
-          <p:cNvPr id="2" name="Title 1">
-            <a:extLst>
-              <a:ext uri="{FF2B5EF4-FFF2-40B4-BE49-F238E27FC236}">
-                <a16:creationId xmlns:a16="http://schemas.microsoft.com/office/drawing/2014/main" id="{8F923F43-D5B4-4A10-8046-BE1B4E1F1D92}"/>
-              </a:ext>
-            </a:extLst>
-          </p:cNvPr>
-          <p:cNvSpPr>
-            <a:spLocks noGrp="1"/>
-          </p:cNvSpPr>
-          <p:nvPr>
-            <p:ph type="title"/>
-          </p:nvPr>
-        </p:nvSpPr>
-        <p:spPr/>
-        <p:txBody>
-          <a:bodyPr/>
+      <p:pic>
+        <p:nvPicPr>
+          <p:cNvPr id="4" name="Picture 3">
+            <a:extLst>
+              <a:ext uri="{FF2B5EF4-FFF2-40B4-BE49-F238E27FC236}">
+                <a16:creationId xmlns:a16="http://schemas.microsoft.com/office/drawing/2014/main" id="{0D9E9C35-5FAE-4D1E-A00D-1F610DC108C0}"/>
+              </a:ext>
+            </a:extLst>
+          </p:cNvPr>
+          <p:cNvPicPr>
+            <a:picLocks noChangeAspect="1"/>
+          </p:cNvPicPr>
+          <p:nvPr/>
+        </p:nvPicPr>
+        <p:blipFill>
+          <a:blip r:embed="rId2"/>
+          <a:stretch>
+            <a:fillRect/>
+          </a:stretch>
+        </p:blipFill>
+        <p:spPr>
+          <a:xfrm>
+            <a:off x="769662" y="1156156"/>
+            <a:ext cx="4438945" cy="3427540"/>
+          </a:xfrm>
+          <a:prstGeom prst="rect">
+            <a:avLst/>
+          </a:prstGeom>
+        </p:spPr>
+      </p:pic>
+      <p:pic>
+        <p:nvPicPr>
+          <p:cNvPr id="6" name="Picture 5">
+            <a:extLst>
+              <a:ext uri="{FF2B5EF4-FFF2-40B4-BE49-F238E27FC236}">
+                <a16:creationId xmlns:a16="http://schemas.microsoft.com/office/drawing/2014/main" id="{133E5FD9-1C7F-40E3-9371-34F78CAFB0FE}"/>
+              </a:ext>
+            </a:extLst>
+          </p:cNvPr>
+          <p:cNvPicPr>
+            <a:picLocks noChangeAspect="1"/>
+          </p:cNvPicPr>
+          <p:nvPr/>
+        </p:nvPicPr>
+        <p:blipFill>
+          <a:blip r:embed="rId3"/>
+          <a:stretch>
+            <a:fillRect/>
+          </a:stretch>
+        </p:blipFill>
+        <p:spPr>
+          <a:xfrm>
+            <a:off x="5788726" y="1156156"/>
+            <a:ext cx="4438945" cy="3430094"/>
+          </a:xfrm>
+          <a:prstGeom prst="rect">
+            <a:avLst/>
+          </a:prstGeom>
+        </p:spPr>
+      </p:pic>
+      <p:sp>
+        <p:nvSpPr>
+          <p:cNvPr id="7" name="TextBox 6">
+            <a:extLst>
+              <a:ext uri="{FF2B5EF4-FFF2-40B4-BE49-F238E27FC236}">
+                <a16:creationId xmlns:a16="http://schemas.microsoft.com/office/drawing/2014/main" id="{2D63E835-C437-45BB-81A4-3DDC27F763FE}"/>
+              </a:ext>
+            </a:extLst>
+          </p:cNvPr>
+          <p:cNvSpPr txBox="1"/>
+          <p:nvPr/>
+        </p:nvSpPr>
+        <p:spPr>
+          <a:xfrm>
+            <a:off x="1979271" y="5416952"/>
+            <a:ext cx="1795043" cy="369332"/>
+          </a:xfrm>
+          <a:prstGeom prst="rect">
+            <a:avLst/>
+          </a:prstGeom>
+          <a:noFill/>
+        </p:spPr>
+        <p:txBody>
+          <a:bodyPr wrap="none" rtlCol="0">
+            <a:spAutoFit/>
+          </a:bodyPr>
           <a:lstStyle/>
           <a:p>
             <a:r>
-              <a:rPr lang="de-DE" dirty="0"/>
-              <a:t>Problem 1</a:t>
+              <a:rPr lang="de-DE" dirty="0" err="1"/>
+              <a:t>Red</a:t>
+            </a:r>
+            <a:r>
+              <a:rPr lang="de-DE" dirty="0"/>
+              <a:t> minus Green</a:t>
             </a:r>
             <a:endParaRPr lang="en-DE" dirty="0"/>
           </a:p>
@@ -3810,612 +5100,39 @@
       </p:sp>
       <p:sp>
         <p:nvSpPr>
-          <p:cNvPr id="3" name="Content Placeholder 2">
-            <a:extLst>
-              <a:ext uri="{FF2B5EF4-FFF2-40B4-BE49-F238E27FC236}">
-                <a16:creationId xmlns:a16="http://schemas.microsoft.com/office/drawing/2014/main" id="{FD1B7EE6-1DA8-47D4-B2FF-1C91199E9D07}"/>
-              </a:ext>
-            </a:extLst>
-          </p:cNvPr>
-          <p:cNvSpPr>
-            <a:spLocks noGrp="1"/>
-          </p:cNvSpPr>
-          <p:nvPr>
-            <p:ph idx="1"/>
-          </p:nvPr>
-        </p:nvSpPr>
-        <p:spPr/>
-        <p:txBody>
-          <a:bodyPr/>
+          <p:cNvPr id="8" name="TextBox 7">
+            <a:extLst>
+              <a:ext uri="{FF2B5EF4-FFF2-40B4-BE49-F238E27FC236}">
+                <a16:creationId xmlns:a16="http://schemas.microsoft.com/office/drawing/2014/main" id="{F6F8F934-C5CF-4CB1-80EF-47155C8022AF}"/>
+              </a:ext>
+            </a:extLst>
+          </p:cNvPr>
+          <p:cNvSpPr txBox="1"/>
+          <p:nvPr/>
+        </p:nvSpPr>
+        <p:spPr>
+          <a:xfrm>
+            <a:off x="7199453" y="5416952"/>
+            <a:ext cx="1647374" cy="369332"/>
+          </a:xfrm>
+          <a:prstGeom prst="rect">
+            <a:avLst/>
+          </a:prstGeom>
+          <a:noFill/>
+        </p:spPr>
+        <p:txBody>
+          <a:bodyPr wrap="none" rtlCol="0">
+            <a:spAutoFit/>
+          </a:bodyPr>
           <a:lstStyle/>
           <a:p>
             <a:r>
-              <a:rPr lang="de-DE" dirty="0"/>
-              <a:t>First </a:t>
-            </a:r>
-            <a:r>
-              <a:rPr lang="de-DE" dirty="0" err="1"/>
-              <a:t>the</a:t>
-            </a:r>
-            <a:r>
-              <a:rPr lang="de-DE" dirty="0"/>
-              <a:t> </a:t>
-            </a:r>
-            <a:r>
-              <a:rPr lang="de-DE" dirty="0" err="1"/>
-              <a:t>image</a:t>
-            </a:r>
-            <a:r>
-              <a:rPr lang="de-DE" dirty="0"/>
-              <a:t> </a:t>
-            </a:r>
-            <a:r>
-              <a:rPr lang="de-DE" dirty="0" err="1"/>
-              <a:t>is</a:t>
-            </a:r>
-            <a:r>
-              <a:rPr lang="de-DE" dirty="0"/>
-              <a:t> </a:t>
-            </a:r>
-            <a:r>
-              <a:rPr lang="de-DE" dirty="0" err="1"/>
-              <a:t>stored</a:t>
-            </a:r>
-            <a:r>
-              <a:rPr lang="de-DE" dirty="0"/>
-              <a:t> in a variable. </a:t>
-            </a:r>
-            <a:r>
-              <a:rPr lang="de-DE" dirty="0" err="1"/>
-              <a:t>Then</a:t>
-            </a:r>
-            <a:r>
-              <a:rPr lang="de-DE" dirty="0"/>
-              <a:t> </a:t>
-            </a:r>
-            <a:r>
-              <a:rPr lang="de-DE" dirty="0" err="1"/>
-              <a:t>the</a:t>
-            </a:r>
-            <a:r>
-              <a:rPr lang="de-DE" dirty="0"/>
-              <a:t> </a:t>
-            </a:r>
-            <a:r>
-              <a:rPr lang="de-DE" dirty="0" err="1"/>
-              <a:t>image</a:t>
-            </a:r>
-            <a:r>
-              <a:rPr lang="de-DE" dirty="0"/>
-              <a:t> </a:t>
-            </a:r>
-            <a:r>
-              <a:rPr lang="de-DE" dirty="0" err="1"/>
-              <a:t>is</a:t>
-            </a:r>
-            <a:r>
-              <a:rPr lang="de-DE" dirty="0"/>
-              <a:t> </a:t>
-            </a:r>
-            <a:r>
-              <a:rPr lang="de-DE" dirty="0" err="1"/>
-              <a:t>split</a:t>
-            </a:r>
-            <a:r>
-              <a:rPr lang="de-DE" dirty="0"/>
-              <a:t> </a:t>
-            </a:r>
-            <a:r>
-              <a:rPr lang="de-DE" dirty="0" err="1"/>
-              <a:t>into</a:t>
-            </a:r>
-            <a:r>
-              <a:rPr lang="de-DE" dirty="0"/>
-              <a:t> 3 </a:t>
-            </a:r>
-            <a:r>
-              <a:rPr lang="de-DE" dirty="0" err="1"/>
-              <a:t>color</a:t>
-            </a:r>
-            <a:r>
-              <a:rPr lang="de-DE" dirty="0"/>
-              <a:t> </a:t>
-            </a:r>
-            <a:r>
-              <a:rPr lang="de-DE" dirty="0" err="1"/>
-              <a:t>channels</a:t>
-            </a:r>
-            <a:r>
-              <a:rPr lang="de-DE" dirty="0"/>
-              <a:t> (</a:t>
-            </a:r>
-            <a:r>
-              <a:rPr lang="de-DE" dirty="0" err="1"/>
-              <a:t>red</a:t>
-            </a:r>
-            <a:r>
-              <a:rPr lang="de-DE" dirty="0"/>
-              <a:t>, </a:t>
-            </a:r>
-            <a:r>
-              <a:rPr lang="de-DE" dirty="0" err="1"/>
-              <a:t>green</a:t>
-            </a:r>
-            <a:r>
-              <a:rPr lang="de-DE" dirty="0"/>
-              <a:t>, </a:t>
-            </a:r>
-            <a:r>
-              <a:rPr lang="de-DE" dirty="0" err="1"/>
-              <a:t>blue</a:t>
-            </a:r>
-            <a:r>
-              <a:rPr lang="de-DE" dirty="0"/>
-              <a:t>). In </a:t>
-            </a:r>
-            <a:r>
-              <a:rPr lang="de-DE" dirty="0" err="1"/>
-              <a:t>order</a:t>
-            </a:r>
-            <a:r>
-              <a:rPr lang="de-DE" dirty="0"/>
-              <a:t> </a:t>
-            </a:r>
-            <a:r>
-              <a:rPr lang="de-DE" dirty="0" err="1"/>
-              <a:t>to</a:t>
-            </a:r>
-            <a:r>
-              <a:rPr lang="de-DE" dirty="0"/>
-              <a:t> </a:t>
-            </a:r>
-            <a:r>
-              <a:rPr lang="de-DE" dirty="0" err="1"/>
-              <a:t>remove</a:t>
-            </a:r>
-            <a:r>
-              <a:rPr lang="de-DE" dirty="0"/>
-              <a:t> </a:t>
-            </a:r>
-            <a:r>
-              <a:rPr lang="de-DE" dirty="0" err="1"/>
-              <a:t>the</a:t>
-            </a:r>
-            <a:r>
-              <a:rPr lang="de-DE" dirty="0"/>
-              <a:t> </a:t>
-            </a:r>
-            <a:r>
-              <a:rPr lang="de-DE" dirty="0" err="1"/>
-              <a:t>background</a:t>
-            </a:r>
-            <a:r>
-              <a:rPr lang="de-DE" dirty="0"/>
-              <a:t> </a:t>
-            </a:r>
-            <a:r>
-              <a:rPr lang="de-DE" dirty="0" err="1"/>
-              <a:t>blue</a:t>
-            </a:r>
-            <a:r>
-              <a:rPr lang="de-DE" dirty="0"/>
-              <a:t> and </a:t>
-            </a:r>
-            <a:r>
-              <a:rPr lang="de-DE" dirty="0" err="1"/>
-              <a:t>green</a:t>
-            </a:r>
-            <a:r>
-              <a:rPr lang="de-DE" dirty="0"/>
-              <a:t> </a:t>
-            </a:r>
-            <a:r>
-              <a:rPr lang="de-DE" dirty="0" err="1"/>
-              <a:t>color</a:t>
-            </a:r>
-            <a:r>
-              <a:rPr lang="de-DE" dirty="0"/>
-              <a:t> </a:t>
-            </a:r>
-            <a:r>
-              <a:rPr lang="de-DE" dirty="0" err="1"/>
-              <a:t>channels</a:t>
-            </a:r>
-            <a:r>
-              <a:rPr lang="de-DE" dirty="0"/>
-              <a:t> </a:t>
-            </a:r>
-            <a:r>
-              <a:rPr lang="de-DE" dirty="0" err="1"/>
-              <a:t>are</a:t>
-            </a:r>
-            <a:r>
-              <a:rPr lang="de-DE" dirty="0"/>
-              <a:t> </a:t>
-            </a:r>
-            <a:r>
-              <a:rPr lang="de-DE" dirty="0" err="1"/>
-              <a:t>subtracted</a:t>
-            </a:r>
-            <a:r>
-              <a:rPr lang="de-DE" dirty="0"/>
-              <a:t> </a:t>
-            </a:r>
-            <a:r>
-              <a:rPr lang="de-DE" dirty="0" err="1"/>
-              <a:t>from</a:t>
-            </a:r>
-            <a:r>
-              <a:rPr lang="de-DE" dirty="0"/>
-              <a:t> </a:t>
-            </a:r>
-            <a:r>
-              <a:rPr lang="de-DE" dirty="0" err="1"/>
-              <a:t>red</a:t>
-            </a:r>
-            <a:r>
-              <a:rPr lang="de-DE" dirty="0"/>
-              <a:t> </a:t>
-            </a:r>
-            <a:r>
-              <a:rPr lang="de-DE" dirty="0" err="1"/>
-              <a:t>color</a:t>
-            </a:r>
-            <a:r>
-              <a:rPr lang="de-DE" dirty="0"/>
-              <a:t> </a:t>
-            </a:r>
-            <a:r>
-              <a:rPr lang="de-DE" dirty="0" err="1"/>
-              <a:t>channel</a:t>
-            </a:r>
-            <a:r>
-              <a:rPr lang="de-DE" dirty="0"/>
-              <a:t>. A </a:t>
-            </a:r>
-            <a:r>
-              <a:rPr lang="de-DE" dirty="0" err="1"/>
-              <a:t>thresholding</a:t>
-            </a:r>
-            <a:r>
-              <a:rPr lang="de-DE" dirty="0"/>
-              <a:t> </a:t>
-            </a:r>
-            <a:r>
-              <a:rPr lang="de-DE" dirty="0" err="1"/>
-              <a:t>condition</a:t>
-            </a:r>
-            <a:r>
-              <a:rPr lang="de-DE" dirty="0"/>
-              <a:t> </a:t>
-            </a:r>
-            <a:r>
-              <a:rPr lang="de-DE" dirty="0" err="1"/>
-              <a:t>is</a:t>
-            </a:r>
-            <a:r>
-              <a:rPr lang="de-DE" dirty="0"/>
-              <a:t> </a:t>
-            </a:r>
-            <a:r>
-              <a:rPr lang="de-DE" dirty="0" err="1"/>
-              <a:t>then</a:t>
-            </a:r>
-            <a:r>
-              <a:rPr lang="de-DE" dirty="0"/>
-              <a:t> </a:t>
-            </a:r>
-            <a:r>
-              <a:rPr lang="de-DE" dirty="0" err="1"/>
-              <a:t>applied</a:t>
-            </a:r>
-            <a:r>
-              <a:rPr lang="de-DE" dirty="0"/>
-              <a:t> </a:t>
-            </a:r>
-            <a:r>
-              <a:rPr lang="de-DE" dirty="0" err="1"/>
-              <a:t>to</a:t>
-            </a:r>
-            <a:r>
-              <a:rPr lang="de-DE" dirty="0"/>
-              <a:t> </a:t>
-            </a:r>
-            <a:r>
-              <a:rPr lang="de-DE" dirty="0" err="1"/>
-              <a:t>the</a:t>
-            </a:r>
-            <a:r>
-              <a:rPr lang="de-DE" dirty="0"/>
-              <a:t> </a:t>
-            </a:r>
-            <a:r>
-              <a:rPr lang="de-DE" dirty="0" err="1"/>
-              <a:t>obtained</a:t>
-            </a:r>
-            <a:r>
-              <a:rPr lang="de-DE" dirty="0"/>
-              <a:t> </a:t>
-            </a:r>
-            <a:r>
-              <a:rPr lang="de-DE" dirty="0" err="1"/>
-              <a:t>matrixes</a:t>
-            </a:r>
-            <a:r>
-              <a:rPr lang="de-DE" dirty="0"/>
-              <a:t>, in </a:t>
-            </a:r>
-            <a:r>
-              <a:rPr lang="de-DE" dirty="0" err="1"/>
-              <a:t>order</a:t>
-            </a:r>
-            <a:r>
-              <a:rPr lang="de-DE" dirty="0"/>
-              <a:t> </a:t>
-            </a:r>
-            <a:r>
-              <a:rPr lang="de-DE" dirty="0" err="1"/>
-              <a:t>to</a:t>
-            </a:r>
-            <a:r>
-              <a:rPr lang="de-DE" dirty="0"/>
-              <a:t> </a:t>
-            </a:r>
-            <a:r>
-              <a:rPr lang="de-DE" dirty="0" err="1"/>
-              <a:t>filter</a:t>
-            </a:r>
-            <a:r>
-              <a:rPr lang="de-DE" dirty="0"/>
-              <a:t> out </a:t>
-            </a:r>
-            <a:r>
-              <a:rPr lang="de-DE" dirty="0" err="1"/>
-              <a:t>the</a:t>
-            </a:r>
-            <a:r>
-              <a:rPr lang="de-DE" dirty="0"/>
-              <a:t> </a:t>
-            </a:r>
-            <a:r>
-              <a:rPr lang="de-DE" dirty="0" err="1"/>
-              <a:t>cordinates</a:t>
-            </a:r>
-            <a:r>
-              <a:rPr lang="de-DE" dirty="0"/>
-              <a:t> </a:t>
-            </a:r>
-            <a:r>
-              <a:rPr lang="de-DE" dirty="0" err="1"/>
-              <a:t>that</a:t>
-            </a:r>
-            <a:r>
-              <a:rPr lang="de-DE" dirty="0"/>
-              <a:t> </a:t>
-            </a:r>
-            <a:r>
-              <a:rPr lang="de-DE" dirty="0" err="1"/>
-              <a:t>has</a:t>
-            </a:r>
-            <a:r>
-              <a:rPr lang="de-DE" dirty="0"/>
-              <a:t> </a:t>
-            </a:r>
-            <a:r>
-              <a:rPr lang="de-DE" dirty="0" err="1"/>
-              <a:t>significant</a:t>
-            </a:r>
-            <a:r>
-              <a:rPr lang="de-DE" dirty="0"/>
-              <a:t> </a:t>
-            </a:r>
-            <a:r>
-              <a:rPr lang="de-DE" dirty="0" err="1"/>
-              <a:t>difference</a:t>
-            </a:r>
-            <a:r>
-              <a:rPr lang="de-DE" dirty="0"/>
-              <a:t> </a:t>
-            </a:r>
-            <a:r>
-              <a:rPr lang="de-DE" dirty="0" err="1"/>
-              <a:t>between</a:t>
-            </a:r>
-            <a:r>
-              <a:rPr lang="de-DE" dirty="0"/>
-              <a:t> </a:t>
-            </a:r>
-            <a:r>
-              <a:rPr lang="de-DE" dirty="0" err="1"/>
-              <a:t>color</a:t>
-            </a:r>
-            <a:r>
-              <a:rPr lang="de-DE" dirty="0"/>
-              <a:t> </a:t>
-            </a:r>
-            <a:r>
-              <a:rPr lang="de-DE" dirty="0" err="1"/>
-              <a:t>channels</a:t>
-            </a:r>
-            <a:r>
-              <a:rPr lang="de-DE" dirty="0"/>
-              <a:t>. </a:t>
-            </a:r>
-            <a:r>
-              <a:rPr lang="de-DE" dirty="0" err="1"/>
-              <a:t>Among</a:t>
-            </a:r>
-            <a:r>
-              <a:rPr lang="de-DE" dirty="0"/>
-              <a:t> </a:t>
-            </a:r>
-            <a:r>
-              <a:rPr lang="de-DE" dirty="0" err="1"/>
-              <a:t>the</a:t>
-            </a:r>
-            <a:r>
-              <a:rPr lang="de-DE" dirty="0"/>
-              <a:t> </a:t>
-            </a:r>
-            <a:r>
-              <a:rPr lang="de-DE" dirty="0" err="1"/>
-              <a:t>filtered</a:t>
-            </a:r>
-            <a:r>
-              <a:rPr lang="de-DE" dirty="0"/>
-              <a:t> </a:t>
-            </a:r>
-            <a:r>
-              <a:rPr lang="de-DE" dirty="0" err="1"/>
-              <a:t>cordinates</a:t>
-            </a:r>
-            <a:r>
-              <a:rPr lang="de-DE" dirty="0"/>
-              <a:t>, </a:t>
-            </a:r>
-            <a:r>
-              <a:rPr lang="de-DE" dirty="0" err="1"/>
-              <a:t>apples</a:t>
-            </a:r>
-            <a:r>
-              <a:rPr lang="de-DE" dirty="0"/>
-              <a:t> </a:t>
-            </a:r>
-            <a:r>
-              <a:rPr lang="de-DE" dirty="0" err="1"/>
-              <a:t>are</a:t>
-            </a:r>
-            <a:r>
-              <a:rPr lang="de-DE" dirty="0"/>
-              <a:t> </a:t>
-            </a:r>
-            <a:r>
-              <a:rPr lang="de-DE" dirty="0" err="1"/>
-              <a:t>present</a:t>
-            </a:r>
-            <a:r>
-              <a:rPr lang="de-DE" dirty="0"/>
-              <a:t> at </a:t>
-            </a:r>
-            <a:r>
-              <a:rPr lang="de-DE" dirty="0" err="1"/>
-              <a:t>the</a:t>
-            </a:r>
-            <a:r>
-              <a:rPr lang="de-DE" dirty="0"/>
-              <a:t> </a:t>
-            </a:r>
-            <a:r>
-              <a:rPr lang="de-DE" dirty="0" err="1"/>
-              <a:t>pixels</a:t>
-            </a:r>
-            <a:r>
-              <a:rPr lang="de-DE" dirty="0"/>
-              <a:t> </a:t>
-            </a:r>
-            <a:r>
-              <a:rPr lang="de-DE" dirty="0" err="1"/>
-              <a:t>where</a:t>
-            </a:r>
-            <a:r>
-              <a:rPr lang="de-DE" dirty="0"/>
-              <a:t> </a:t>
-            </a:r>
-            <a:r>
-              <a:rPr lang="de-DE" dirty="0" err="1"/>
-              <a:t>intensity</a:t>
-            </a:r>
-            <a:r>
-              <a:rPr lang="de-DE" dirty="0"/>
-              <a:t> </a:t>
-            </a:r>
-            <a:r>
-              <a:rPr lang="de-DE" dirty="0" err="1"/>
-              <a:t>of</a:t>
-            </a:r>
-            <a:r>
-              <a:rPr lang="de-DE" dirty="0"/>
-              <a:t> </a:t>
-            </a:r>
-            <a:r>
-              <a:rPr lang="de-DE" dirty="0" err="1"/>
-              <a:t>red</a:t>
-            </a:r>
-            <a:r>
-              <a:rPr lang="de-DE" dirty="0"/>
-              <a:t> </a:t>
-            </a:r>
-            <a:r>
-              <a:rPr lang="de-DE" dirty="0" err="1"/>
-              <a:t>is</a:t>
-            </a:r>
-            <a:r>
-              <a:rPr lang="de-DE" dirty="0"/>
-              <a:t> </a:t>
-            </a:r>
-            <a:r>
-              <a:rPr lang="de-DE" dirty="0" err="1"/>
-              <a:t>greater</a:t>
-            </a:r>
-            <a:r>
-              <a:rPr lang="de-DE" dirty="0"/>
-              <a:t> </a:t>
-            </a:r>
-            <a:r>
-              <a:rPr lang="de-DE" dirty="0" err="1"/>
-              <a:t>than</a:t>
-            </a:r>
-            <a:r>
-              <a:rPr lang="de-DE" dirty="0"/>
-              <a:t> </a:t>
-            </a:r>
-            <a:r>
-              <a:rPr lang="de-DE" dirty="0" err="1"/>
-              <a:t>the</a:t>
-            </a:r>
-            <a:r>
-              <a:rPr lang="de-DE" dirty="0"/>
-              <a:t> </a:t>
-            </a:r>
-            <a:r>
-              <a:rPr lang="de-DE" dirty="0" err="1"/>
-              <a:t>sum</a:t>
-            </a:r>
-            <a:r>
-              <a:rPr lang="de-DE" dirty="0"/>
-              <a:t> </a:t>
-            </a:r>
-            <a:r>
-              <a:rPr lang="de-DE" dirty="0" err="1"/>
-              <a:t>of</a:t>
-            </a:r>
-            <a:r>
-              <a:rPr lang="de-DE" dirty="0"/>
-              <a:t> </a:t>
-            </a:r>
-            <a:r>
-              <a:rPr lang="de-DE" dirty="0" err="1"/>
-              <a:t>green</a:t>
-            </a:r>
-            <a:r>
-              <a:rPr lang="de-DE" dirty="0"/>
-              <a:t> and </a:t>
-            </a:r>
-            <a:r>
-              <a:rPr lang="de-DE" dirty="0" err="1"/>
-              <a:t>blue</a:t>
-            </a:r>
-            <a:r>
-              <a:rPr lang="de-DE" dirty="0"/>
-              <a:t> </a:t>
-            </a:r>
-            <a:r>
-              <a:rPr lang="de-DE" dirty="0" err="1"/>
-              <a:t>intensity</a:t>
-            </a:r>
-            <a:r>
-              <a:rPr lang="de-DE" dirty="0"/>
-              <a:t>. </a:t>
+              <a:rPr lang="de-DE" dirty="0" err="1"/>
+              <a:t>Red</a:t>
+            </a:r>
+            <a:r>
+              <a:rPr lang="de-DE" dirty="0"/>
+              <a:t> Minus Blue</a:t>
             </a:r>
             <a:endParaRPr lang="en-DE" dirty="0"/>
           </a:p>
@@ -4424,7 +5141,7 @@
     </p:spTree>
     <p:extLst>
       <p:ext uri="{BB962C8B-B14F-4D97-AF65-F5344CB8AC3E}">
-        <p14:creationId xmlns:p14="http://schemas.microsoft.com/office/powerpoint/2010/main" val="3431578842"/>
+        <p14:creationId xmlns:p14="http://schemas.microsoft.com/office/powerpoint/2010/main" val="2915789951"/>
       </p:ext>
     </p:extLst>
   </p:cSld>
@@ -4472,7 +5189,11 @@
           <a:bodyPr/>
           <a:lstStyle/>
           <a:p>
-            <a:endParaRPr lang="en-DE"/>
+            <a:r>
+              <a:rPr lang="en-GB" dirty="0"/>
+              <a:t>Problem 2</a:t>
+            </a:r>
+            <a:endParaRPr lang="en-DE" dirty="0"/>
           </a:p>
         </p:txBody>
       </p:sp>
@@ -4497,7 +5218,17 @@
           <a:bodyPr/>
           <a:lstStyle/>
           <a:p>
-            <a:endParaRPr lang="en-DE"/>
+            <a:r>
+              <a:rPr lang="en-GB" dirty="0"/>
+              <a:t>In order to rotate the image, first the centre of image is determined. A loop goes through all pixels of the image, and determines new position. The transformation is done in polar coordinates then mapped back to Cartesian coordinates. </a:t>
+            </a:r>
+          </a:p>
+          <a:p>
+            <a:r>
+              <a:rPr lang="en-GB" dirty="0"/>
+              <a:t>In order to shrink and expand the image, first the linearly spaced vectors with half and double the dimensions of image are generated respectively. Then mesh-grids are generated from the vectors. At the end, 2D interpolation is performed on both the mesh-grids  </a:t>
+            </a:r>
+            <a:endParaRPr lang="en-DE" dirty="0"/>
           </a:p>
         </p:txBody>
       </p:sp>
@@ -4505,6 +5236,1106 @@
     <p:extLst>
       <p:ext uri="{BB962C8B-B14F-4D97-AF65-F5344CB8AC3E}">
         <p14:creationId xmlns:p14="http://schemas.microsoft.com/office/powerpoint/2010/main" val="166215189"/>
+      </p:ext>
+    </p:extLst>
+  </p:cSld>
+  <p:clrMapOvr>
+    <a:masterClrMapping/>
+  </p:clrMapOvr>
+</p:sld>
+</file>
+
+<file path=ppt/slides/slide5.xml><?xml version="1.0" encoding="utf-8"?>
+<p:sld xmlns:a="http://schemas.openxmlformats.org/drawingml/2006/main" xmlns:r="http://schemas.openxmlformats.org/officeDocument/2006/relationships" xmlns:p="http://schemas.openxmlformats.org/presentationml/2006/main">
+  <p:cSld>
+    <p:spTree>
+      <p:nvGrpSpPr>
+        <p:cNvPr id="1" name=""/>
+        <p:cNvGrpSpPr/>
+        <p:nvPr/>
+      </p:nvGrpSpPr>
+      <p:grpSpPr>
+        <a:xfrm>
+          <a:off x="0" y="0"/>
+          <a:ext cx="0" cy="0"/>
+          <a:chOff x="0" y="0"/>
+          <a:chExt cx="0" cy="0"/>
+        </a:xfrm>
+      </p:grpSpPr>
+      <p:pic>
+        <p:nvPicPr>
+          <p:cNvPr id="5" name="Content Placeholder 4">
+            <a:extLst>
+              <a:ext uri="{FF2B5EF4-FFF2-40B4-BE49-F238E27FC236}">
+                <a16:creationId xmlns:a16="http://schemas.microsoft.com/office/drawing/2014/main" id="{C0288BD8-51FC-4396-9D4A-5F40D6A79FB5}"/>
+              </a:ext>
+            </a:extLst>
+          </p:cNvPr>
+          <p:cNvPicPr>
+            <a:picLocks noGrp="1" noChangeAspect="1"/>
+          </p:cNvPicPr>
+          <p:nvPr>
+            <p:ph idx="1"/>
+          </p:nvPr>
+        </p:nvPicPr>
+        <p:blipFill>
+          <a:blip r:embed="rId2"/>
+          <a:stretch>
+            <a:fillRect/>
+          </a:stretch>
+        </p:blipFill>
+        <p:spPr>
+          <a:xfrm>
+            <a:off x="838200" y="2253352"/>
+            <a:ext cx="3541631" cy="3126595"/>
+          </a:xfrm>
+        </p:spPr>
+      </p:pic>
+      <p:pic>
+        <p:nvPicPr>
+          <p:cNvPr id="9" name="Picture 8">
+            <a:extLst>
+              <a:ext uri="{FF2B5EF4-FFF2-40B4-BE49-F238E27FC236}">
+                <a16:creationId xmlns:a16="http://schemas.microsoft.com/office/drawing/2014/main" id="{2146E1C1-2D3E-47AF-936B-F088AFB7995D}"/>
+              </a:ext>
+            </a:extLst>
+          </p:cNvPr>
+          <p:cNvPicPr>
+            <a:picLocks noChangeAspect="1"/>
+          </p:cNvPicPr>
+          <p:nvPr/>
+        </p:nvPicPr>
+        <p:blipFill>
+          <a:blip r:embed="rId3"/>
+          <a:stretch>
+            <a:fillRect/>
+          </a:stretch>
+        </p:blipFill>
+        <p:spPr>
+          <a:xfrm>
+            <a:off x="5257683" y="2960331"/>
+            <a:ext cx="1676634" cy="1552792"/>
+          </a:xfrm>
+          <a:prstGeom prst="rect">
+            <a:avLst/>
+          </a:prstGeom>
+        </p:spPr>
+      </p:pic>
+      <p:pic>
+        <p:nvPicPr>
+          <p:cNvPr id="11" name="Picture 10">
+            <a:extLst>
+              <a:ext uri="{FF2B5EF4-FFF2-40B4-BE49-F238E27FC236}">
+                <a16:creationId xmlns:a16="http://schemas.microsoft.com/office/drawing/2014/main" id="{75DFC6DC-E4E1-4905-8FA6-12559BB751FA}"/>
+              </a:ext>
+            </a:extLst>
+          </p:cNvPr>
+          <p:cNvPicPr>
+            <a:picLocks noChangeAspect="1"/>
+          </p:cNvPicPr>
+          <p:nvPr/>
+        </p:nvPicPr>
+        <p:blipFill>
+          <a:blip r:embed="rId4"/>
+          <a:stretch>
+            <a:fillRect/>
+          </a:stretch>
+        </p:blipFill>
+        <p:spPr>
+          <a:xfrm>
+            <a:off x="7812169" y="2252870"/>
+            <a:ext cx="3111524" cy="3117090"/>
+          </a:xfrm>
+          <a:prstGeom prst="rect">
+            <a:avLst/>
+          </a:prstGeom>
+        </p:spPr>
+      </p:pic>
+    </p:spTree>
+    <p:extLst>
+      <p:ext uri="{BB962C8B-B14F-4D97-AF65-F5344CB8AC3E}">
+        <p14:creationId xmlns:p14="http://schemas.microsoft.com/office/powerpoint/2010/main" val="2123242417"/>
+      </p:ext>
+    </p:extLst>
+  </p:cSld>
+  <p:clrMapOvr>
+    <a:masterClrMapping/>
+  </p:clrMapOvr>
+</p:sld>
+</file>
+
+<file path=ppt/slides/slide6.xml><?xml version="1.0" encoding="utf-8"?>
+<p:sld xmlns:a="http://schemas.openxmlformats.org/drawingml/2006/main" xmlns:r="http://schemas.openxmlformats.org/officeDocument/2006/relationships" xmlns:p="http://schemas.openxmlformats.org/presentationml/2006/main">
+  <p:cSld>
+    <p:spTree>
+      <p:nvGrpSpPr>
+        <p:cNvPr id="1" name=""/>
+        <p:cNvGrpSpPr/>
+        <p:nvPr/>
+      </p:nvGrpSpPr>
+      <p:grpSpPr>
+        <a:xfrm>
+          <a:off x="0" y="0"/>
+          <a:ext cx="0" cy="0"/>
+          <a:chOff x="0" y="0"/>
+          <a:chExt cx="0" cy="0"/>
+        </a:xfrm>
+      </p:grpSpPr>
+      <p:sp>
+        <p:nvSpPr>
+          <p:cNvPr id="2" name="Title 1">
+            <a:extLst>
+              <a:ext uri="{FF2B5EF4-FFF2-40B4-BE49-F238E27FC236}">
+                <a16:creationId xmlns:a16="http://schemas.microsoft.com/office/drawing/2014/main" id="{FBFF17A2-97F6-4723-8783-7D9C10052F91}"/>
+              </a:ext>
+            </a:extLst>
+          </p:cNvPr>
+          <p:cNvSpPr>
+            <a:spLocks noGrp="1"/>
+          </p:cNvSpPr>
+          <p:nvPr>
+            <p:ph type="title"/>
+          </p:nvPr>
+        </p:nvSpPr>
+        <p:spPr/>
+        <p:txBody>
+          <a:bodyPr/>
+          <a:lstStyle/>
+          <a:p>
+            <a:r>
+              <a:rPr lang="en-GB" dirty="0"/>
+              <a:t>Problem 3</a:t>
+            </a:r>
+            <a:endParaRPr lang="en-DE" dirty="0"/>
+          </a:p>
+        </p:txBody>
+      </p:sp>
+      <p:sp>
+        <p:nvSpPr>
+          <p:cNvPr id="3" name="Content Placeholder 2">
+            <a:extLst>
+              <a:ext uri="{FF2B5EF4-FFF2-40B4-BE49-F238E27FC236}">
+                <a16:creationId xmlns:a16="http://schemas.microsoft.com/office/drawing/2014/main" id="{97113E50-1628-49B7-B30E-D38F88081C51}"/>
+              </a:ext>
+            </a:extLst>
+          </p:cNvPr>
+          <p:cNvSpPr>
+            <a:spLocks noGrp="1"/>
+          </p:cNvSpPr>
+          <p:nvPr>
+            <p:ph idx="1"/>
+          </p:nvPr>
+        </p:nvSpPr>
+        <p:spPr/>
+        <p:txBody>
+          <a:bodyPr/>
+          <a:lstStyle/>
+          <a:p>
+            <a:r>
+              <a:rPr lang="en-GB" dirty="0"/>
+              <a:t>In order to detect the corners, first dimensions of the images are fixed then they are converted into grey scale images. After that Harris Feature detector function is used to detect corners of the given shape in the image. Then the corners are plotted on to the images. </a:t>
+            </a:r>
+            <a:endParaRPr lang="en-DE" dirty="0"/>
+          </a:p>
+        </p:txBody>
+      </p:sp>
+    </p:spTree>
+    <p:extLst>
+      <p:ext uri="{BB962C8B-B14F-4D97-AF65-F5344CB8AC3E}">
+        <p14:creationId xmlns:p14="http://schemas.microsoft.com/office/powerpoint/2010/main" val="3361913158"/>
+      </p:ext>
+    </p:extLst>
+  </p:cSld>
+  <p:clrMapOvr>
+    <a:masterClrMapping/>
+  </p:clrMapOvr>
+</p:sld>
+</file>
+
+<file path=ppt/slides/slide7.xml><?xml version="1.0" encoding="utf-8"?>
+<p:sld xmlns:a="http://schemas.openxmlformats.org/drawingml/2006/main" xmlns:r="http://schemas.openxmlformats.org/officeDocument/2006/relationships" xmlns:p="http://schemas.openxmlformats.org/presentationml/2006/main">
+  <p:cSld>
+    <p:spTree>
+      <p:nvGrpSpPr>
+        <p:cNvPr id="1" name=""/>
+        <p:cNvGrpSpPr/>
+        <p:nvPr/>
+      </p:nvGrpSpPr>
+      <p:grpSpPr>
+        <a:xfrm>
+          <a:off x="0" y="0"/>
+          <a:ext cx="0" cy="0"/>
+          <a:chOff x="0" y="0"/>
+          <a:chExt cx="0" cy="0"/>
+        </a:xfrm>
+      </p:grpSpPr>
+      <p:pic>
+        <p:nvPicPr>
+          <p:cNvPr id="5" name="Content Placeholder 4">
+            <a:extLst>
+              <a:ext uri="{FF2B5EF4-FFF2-40B4-BE49-F238E27FC236}">
+                <a16:creationId xmlns:a16="http://schemas.microsoft.com/office/drawing/2014/main" id="{F95D0B39-B5BC-47A6-8954-326291C87338}"/>
+              </a:ext>
+            </a:extLst>
+          </p:cNvPr>
+          <p:cNvPicPr>
+            <a:picLocks noGrp="1" noChangeAspect="1"/>
+          </p:cNvPicPr>
+          <p:nvPr>
+            <p:ph idx="1"/>
+          </p:nvPr>
+        </p:nvPicPr>
+        <p:blipFill>
+          <a:blip r:embed="rId2"/>
+          <a:stretch>
+            <a:fillRect/>
+          </a:stretch>
+        </p:blipFill>
+        <p:spPr>
+          <a:xfrm>
+            <a:off x="838200" y="2276582"/>
+            <a:ext cx="3429000" cy="3262103"/>
+          </a:xfrm>
+        </p:spPr>
+      </p:pic>
+      <p:pic>
+        <p:nvPicPr>
+          <p:cNvPr id="7" name="Picture 6">
+            <a:extLst>
+              <a:ext uri="{FF2B5EF4-FFF2-40B4-BE49-F238E27FC236}">
+                <a16:creationId xmlns:a16="http://schemas.microsoft.com/office/drawing/2014/main" id="{14D3B1C9-CDDF-4A3A-B932-212FC36541AB}"/>
+              </a:ext>
+            </a:extLst>
+          </p:cNvPr>
+          <p:cNvPicPr>
+            <a:picLocks noChangeAspect="1"/>
+          </p:cNvPicPr>
+          <p:nvPr/>
+        </p:nvPicPr>
+        <p:blipFill>
+          <a:blip r:embed="rId3"/>
+          <a:stretch>
+            <a:fillRect/>
+          </a:stretch>
+        </p:blipFill>
+        <p:spPr>
+          <a:xfrm>
+            <a:off x="4914734" y="2304893"/>
+            <a:ext cx="3312673" cy="3152382"/>
+          </a:xfrm>
+          <a:prstGeom prst="rect">
+            <a:avLst/>
+          </a:prstGeom>
+        </p:spPr>
+      </p:pic>
+      <p:pic>
+        <p:nvPicPr>
+          <p:cNvPr id="9" name="Picture 8">
+            <a:extLst>
+              <a:ext uri="{FF2B5EF4-FFF2-40B4-BE49-F238E27FC236}">
+                <a16:creationId xmlns:a16="http://schemas.microsoft.com/office/drawing/2014/main" id="{DBCBE025-3A6E-48EC-9160-7DD9F6A34D40}"/>
+              </a:ext>
+            </a:extLst>
+          </p:cNvPr>
+          <p:cNvPicPr>
+            <a:picLocks noChangeAspect="1"/>
+          </p:cNvPicPr>
+          <p:nvPr/>
+        </p:nvPicPr>
+        <p:blipFill>
+          <a:blip r:embed="rId4"/>
+          <a:stretch>
+            <a:fillRect/>
+          </a:stretch>
+        </p:blipFill>
+        <p:spPr>
+          <a:xfrm>
+            <a:off x="8711564" y="2276582"/>
+            <a:ext cx="3232202" cy="3180692"/>
+          </a:xfrm>
+          <a:prstGeom prst="rect">
+            <a:avLst/>
+          </a:prstGeom>
+        </p:spPr>
+      </p:pic>
+    </p:spTree>
+    <p:extLst>
+      <p:ext uri="{BB962C8B-B14F-4D97-AF65-F5344CB8AC3E}">
+        <p14:creationId xmlns:p14="http://schemas.microsoft.com/office/powerpoint/2010/main" val="2913594351"/>
+      </p:ext>
+    </p:extLst>
+  </p:cSld>
+  <p:clrMapOvr>
+    <a:masterClrMapping/>
+  </p:clrMapOvr>
+</p:sld>
+</file>
+
+<file path=ppt/slides/slide8.xml><?xml version="1.0" encoding="utf-8"?>
+<p:sld xmlns:a="http://schemas.openxmlformats.org/drawingml/2006/main" xmlns:r="http://schemas.openxmlformats.org/officeDocument/2006/relationships" xmlns:p="http://schemas.openxmlformats.org/presentationml/2006/main">
+  <p:cSld>
+    <p:spTree>
+      <p:nvGrpSpPr>
+        <p:cNvPr id="1" name=""/>
+        <p:cNvGrpSpPr/>
+        <p:nvPr/>
+      </p:nvGrpSpPr>
+      <p:grpSpPr>
+        <a:xfrm>
+          <a:off x="0" y="0"/>
+          <a:ext cx="0" cy="0"/>
+          <a:chOff x="0" y="0"/>
+          <a:chExt cx="0" cy="0"/>
+        </a:xfrm>
+      </p:grpSpPr>
+      <p:sp>
+        <p:nvSpPr>
+          <p:cNvPr id="2" name="Title 1">
+            <a:extLst>
+              <a:ext uri="{FF2B5EF4-FFF2-40B4-BE49-F238E27FC236}">
+                <a16:creationId xmlns:a16="http://schemas.microsoft.com/office/drawing/2014/main" id="{9C7C7634-3FC4-48AE-8603-FC53422980B7}"/>
+              </a:ext>
+            </a:extLst>
+          </p:cNvPr>
+          <p:cNvSpPr>
+            <a:spLocks noGrp="1"/>
+          </p:cNvSpPr>
+          <p:nvPr>
+            <p:ph type="title"/>
+          </p:nvPr>
+        </p:nvSpPr>
+        <p:spPr/>
+        <p:txBody>
+          <a:bodyPr/>
+          <a:lstStyle/>
+          <a:p>
+            <a:r>
+              <a:rPr lang="en-GB" dirty="0"/>
+              <a:t>Problem 4 </a:t>
+            </a:r>
+            <a:endParaRPr lang="en-DE" dirty="0"/>
+          </a:p>
+        </p:txBody>
+      </p:sp>
+      <p:sp>
+        <p:nvSpPr>
+          <p:cNvPr id="3" name="Content Placeholder 2">
+            <a:extLst>
+              <a:ext uri="{FF2B5EF4-FFF2-40B4-BE49-F238E27FC236}">
+                <a16:creationId xmlns:a16="http://schemas.microsoft.com/office/drawing/2014/main" id="{0C476420-C18B-4F68-BAAF-3A7E240BE352}"/>
+              </a:ext>
+            </a:extLst>
+          </p:cNvPr>
+          <p:cNvSpPr>
+            <a:spLocks noGrp="1"/>
+          </p:cNvSpPr>
+          <p:nvPr>
+            <p:ph idx="1"/>
+          </p:nvPr>
+        </p:nvSpPr>
+        <p:spPr>
+          <a:xfrm>
+            <a:off x="838200" y="1690688"/>
+            <a:ext cx="10515600" cy="4486275"/>
+          </a:xfrm>
+        </p:spPr>
+        <p:txBody>
+          <a:bodyPr/>
+          <a:lstStyle/>
+          <a:p>
+            <a:r>
+              <a:rPr lang="de-DE" dirty="0"/>
+              <a:t>In </a:t>
+            </a:r>
+            <a:r>
+              <a:rPr lang="de-DE" dirty="0" err="1"/>
+              <a:t>order</a:t>
+            </a:r>
+            <a:r>
+              <a:rPr lang="de-DE" dirty="0"/>
+              <a:t> </a:t>
+            </a:r>
+            <a:r>
+              <a:rPr lang="de-DE" dirty="0" err="1"/>
+              <a:t>to</a:t>
+            </a:r>
+            <a:r>
+              <a:rPr lang="de-DE" dirty="0"/>
+              <a:t> </a:t>
+            </a:r>
+            <a:r>
+              <a:rPr lang="de-DE" dirty="0" err="1"/>
+              <a:t>obtain</a:t>
+            </a:r>
+            <a:r>
+              <a:rPr lang="de-DE" dirty="0"/>
+              <a:t> </a:t>
+            </a:r>
+            <a:r>
+              <a:rPr lang="de-DE" dirty="0" err="1"/>
+              <a:t>centeroid</a:t>
+            </a:r>
+            <a:r>
+              <a:rPr lang="de-DE" dirty="0"/>
+              <a:t> </a:t>
+            </a:r>
+            <a:r>
+              <a:rPr lang="de-DE" dirty="0" err="1"/>
+              <a:t>of</a:t>
+            </a:r>
+            <a:r>
+              <a:rPr lang="de-DE" dirty="0"/>
+              <a:t> a </a:t>
+            </a:r>
+            <a:r>
+              <a:rPr lang="de-DE" dirty="0" err="1"/>
+              <a:t>shape</a:t>
+            </a:r>
+            <a:r>
+              <a:rPr lang="de-DE" dirty="0"/>
+              <a:t>, </a:t>
+            </a:r>
+            <a:r>
+              <a:rPr lang="de-DE" dirty="0" err="1"/>
+              <a:t>firstly</a:t>
+            </a:r>
+            <a:r>
+              <a:rPr lang="de-DE" dirty="0"/>
+              <a:t> a progressive </a:t>
+            </a:r>
+            <a:r>
+              <a:rPr lang="de-DE" dirty="0" err="1"/>
+              <a:t>rectangular</a:t>
+            </a:r>
+            <a:r>
+              <a:rPr lang="de-DE" dirty="0"/>
+              <a:t> </a:t>
+            </a:r>
+            <a:r>
+              <a:rPr lang="de-DE" dirty="0" err="1"/>
+              <a:t>grid</a:t>
+            </a:r>
+            <a:r>
+              <a:rPr lang="de-DE" dirty="0"/>
+              <a:t> in </a:t>
+            </a:r>
+            <a:r>
+              <a:rPr lang="de-DE" dirty="0" err="1"/>
+              <a:t>fromed</a:t>
+            </a:r>
+            <a:r>
+              <a:rPr lang="de-DE" dirty="0"/>
+              <a:t> in x and y </a:t>
+            </a:r>
+            <a:r>
+              <a:rPr lang="de-DE" dirty="0" err="1"/>
+              <a:t>dimention</a:t>
+            </a:r>
+            <a:r>
+              <a:rPr lang="de-DE" dirty="0"/>
+              <a:t>. After </a:t>
+            </a:r>
+            <a:r>
+              <a:rPr lang="de-DE" dirty="0" err="1"/>
+              <a:t>filtering</a:t>
+            </a:r>
+            <a:r>
+              <a:rPr lang="de-DE" dirty="0"/>
+              <a:t> out </a:t>
+            </a:r>
+            <a:r>
+              <a:rPr lang="de-DE" dirty="0" err="1"/>
+              <a:t>the</a:t>
+            </a:r>
+            <a:r>
+              <a:rPr lang="de-DE" dirty="0"/>
+              <a:t> </a:t>
+            </a:r>
+            <a:r>
+              <a:rPr lang="de-DE" dirty="0" err="1"/>
+              <a:t>active</a:t>
+            </a:r>
+            <a:r>
+              <a:rPr lang="de-DE" dirty="0"/>
+              <a:t> </a:t>
+            </a:r>
+            <a:r>
+              <a:rPr lang="de-DE" dirty="0" err="1"/>
+              <a:t>pixels</a:t>
+            </a:r>
+            <a:r>
+              <a:rPr lang="de-DE" dirty="0"/>
+              <a:t>, </a:t>
+            </a:r>
+            <a:r>
+              <a:rPr lang="de-DE" dirty="0" err="1"/>
+              <a:t>mean</a:t>
+            </a:r>
+            <a:r>
+              <a:rPr lang="de-DE" dirty="0"/>
+              <a:t> </a:t>
+            </a:r>
+            <a:r>
+              <a:rPr lang="de-DE" dirty="0" err="1"/>
+              <a:t>is</a:t>
+            </a:r>
+            <a:r>
+              <a:rPr lang="de-DE" dirty="0"/>
+              <a:t> </a:t>
+            </a:r>
+            <a:r>
+              <a:rPr lang="de-DE" dirty="0" err="1"/>
+              <a:t>taken</a:t>
+            </a:r>
+            <a:r>
+              <a:rPr lang="de-DE" dirty="0"/>
+              <a:t> in </a:t>
+            </a:r>
+            <a:r>
+              <a:rPr lang="de-DE" dirty="0" err="1"/>
+              <a:t>both</a:t>
+            </a:r>
+            <a:r>
+              <a:rPr lang="de-DE" dirty="0"/>
+              <a:t> </a:t>
+            </a:r>
+            <a:r>
+              <a:rPr lang="de-DE" dirty="0" err="1"/>
+              <a:t>dimention</a:t>
+            </a:r>
+            <a:r>
+              <a:rPr lang="de-DE" dirty="0"/>
+              <a:t>, </a:t>
+            </a:r>
+            <a:r>
+              <a:rPr lang="de-DE" dirty="0" err="1"/>
+              <a:t>that</a:t>
+            </a:r>
+            <a:r>
+              <a:rPr lang="de-DE" dirty="0"/>
+              <a:t> </a:t>
+            </a:r>
+            <a:r>
+              <a:rPr lang="de-DE" dirty="0" err="1"/>
+              <a:t>gives</a:t>
+            </a:r>
+            <a:r>
+              <a:rPr lang="de-DE" dirty="0"/>
+              <a:t> out </a:t>
+            </a:r>
+            <a:r>
+              <a:rPr lang="de-DE" dirty="0" err="1"/>
+              <a:t>the</a:t>
+            </a:r>
+            <a:r>
+              <a:rPr lang="de-DE" dirty="0"/>
+              <a:t> </a:t>
+            </a:r>
+            <a:r>
+              <a:rPr lang="de-DE" dirty="0" err="1"/>
+              <a:t>centroid</a:t>
+            </a:r>
+            <a:r>
+              <a:rPr lang="de-DE" dirty="0"/>
+              <a:t>. Maximum and </a:t>
+            </a:r>
+            <a:r>
+              <a:rPr lang="de-DE" dirty="0" err="1"/>
+              <a:t>minimum</a:t>
+            </a:r>
+            <a:r>
+              <a:rPr lang="de-DE" dirty="0"/>
+              <a:t> </a:t>
+            </a:r>
+            <a:r>
+              <a:rPr lang="de-DE" dirty="0" err="1"/>
+              <a:t>of</a:t>
+            </a:r>
+            <a:r>
+              <a:rPr lang="de-DE" dirty="0"/>
+              <a:t> </a:t>
+            </a:r>
+            <a:r>
+              <a:rPr lang="de-DE" dirty="0" err="1"/>
+              <a:t>the</a:t>
+            </a:r>
+            <a:r>
+              <a:rPr lang="de-DE" dirty="0"/>
+              <a:t> </a:t>
+            </a:r>
+            <a:r>
+              <a:rPr lang="de-DE" dirty="0" err="1"/>
+              <a:t>grid</a:t>
+            </a:r>
+            <a:r>
+              <a:rPr lang="de-DE" dirty="0"/>
+              <a:t> in </a:t>
+            </a:r>
+            <a:r>
+              <a:rPr lang="de-DE" dirty="0" err="1"/>
+              <a:t>both</a:t>
+            </a:r>
+            <a:r>
+              <a:rPr lang="de-DE" dirty="0"/>
+              <a:t> </a:t>
+            </a:r>
+            <a:r>
+              <a:rPr lang="de-DE" dirty="0" err="1"/>
+              <a:t>dimentions</a:t>
+            </a:r>
+            <a:r>
+              <a:rPr lang="de-DE" dirty="0"/>
+              <a:t> </a:t>
+            </a:r>
+            <a:r>
+              <a:rPr lang="de-DE" dirty="0" err="1"/>
+              <a:t>is</a:t>
+            </a:r>
+            <a:r>
+              <a:rPr lang="de-DE" dirty="0"/>
+              <a:t> </a:t>
+            </a:r>
+            <a:r>
+              <a:rPr lang="de-DE" dirty="0" err="1"/>
+              <a:t>used</a:t>
+            </a:r>
+            <a:r>
+              <a:rPr lang="de-DE" dirty="0"/>
+              <a:t> </a:t>
+            </a:r>
+            <a:r>
+              <a:rPr lang="de-DE" dirty="0" err="1"/>
+              <a:t>to</a:t>
+            </a:r>
+            <a:r>
+              <a:rPr lang="de-DE" dirty="0"/>
+              <a:t> </a:t>
+            </a:r>
+            <a:r>
+              <a:rPr lang="de-DE" dirty="0" err="1"/>
+              <a:t>obtain</a:t>
+            </a:r>
+            <a:r>
+              <a:rPr lang="de-DE" dirty="0"/>
+              <a:t> </a:t>
+            </a:r>
+            <a:r>
+              <a:rPr lang="de-DE" dirty="0" err="1"/>
+              <a:t>the</a:t>
+            </a:r>
+            <a:r>
+              <a:rPr lang="de-DE" dirty="0"/>
+              <a:t> </a:t>
+            </a:r>
+            <a:r>
+              <a:rPr lang="de-DE" dirty="0" err="1"/>
+              <a:t>bounding</a:t>
+            </a:r>
+            <a:r>
+              <a:rPr lang="de-DE" dirty="0"/>
+              <a:t> box </a:t>
+            </a:r>
+            <a:r>
+              <a:rPr lang="de-DE" dirty="0" err="1"/>
+              <a:t>boundries</a:t>
+            </a:r>
+            <a:r>
+              <a:rPr lang="de-DE" dirty="0"/>
+              <a:t>. </a:t>
+            </a:r>
+          </a:p>
+          <a:p>
+            <a:r>
+              <a:rPr lang="de-DE" dirty="0"/>
+              <a:t>Sobel  </a:t>
+            </a:r>
+            <a:r>
+              <a:rPr lang="de-DE" dirty="0" err="1"/>
+              <a:t>filter</a:t>
+            </a:r>
+            <a:r>
+              <a:rPr lang="de-DE" dirty="0"/>
+              <a:t> </a:t>
+            </a:r>
+            <a:r>
+              <a:rPr lang="de-DE" dirty="0" err="1"/>
+              <a:t>is</a:t>
+            </a:r>
+            <a:r>
+              <a:rPr lang="de-DE" dirty="0"/>
+              <a:t> </a:t>
+            </a:r>
+            <a:r>
+              <a:rPr lang="de-DE" dirty="0" err="1"/>
+              <a:t>then</a:t>
+            </a:r>
+            <a:r>
+              <a:rPr lang="de-DE" dirty="0"/>
+              <a:t> </a:t>
+            </a:r>
+            <a:r>
+              <a:rPr lang="de-DE" dirty="0" err="1"/>
+              <a:t>manually</a:t>
+            </a:r>
+            <a:r>
+              <a:rPr lang="de-DE" dirty="0"/>
+              <a:t> </a:t>
+            </a:r>
+            <a:r>
+              <a:rPr lang="de-DE" dirty="0" err="1"/>
+              <a:t>applied</a:t>
+            </a:r>
+            <a:r>
+              <a:rPr lang="de-DE" dirty="0"/>
+              <a:t> </a:t>
+            </a:r>
+            <a:r>
+              <a:rPr lang="de-DE" dirty="0" err="1"/>
+              <a:t>to</a:t>
+            </a:r>
+            <a:r>
+              <a:rPr lang="de-DE" dirty="0"/>
+              <a:t> find </a:t>
+            </a:r>
+            <a:r>
+              <a:rPr lang="de-DE" dirty="0" err="1"/>
+              <a:t>the</a:t>
+            </a:r>
+            <a:r>
+              <a:rPr lang="de-DE" dirty="0"/>
+              <a:t> </a:t>
+            </a:r>
+            <a:r>
+              <a:rPr lang="de-DE" dirty="0" err="1"/>
+              <a:t>boundries</a:t>
+            </a:r>
+            <a:r>
+              <a:rPr lang="de-DE" dirty="0"/>
+              <a:t> </a:t>
+            </a:r>
+            <a:r>
+              <a:rPr lang="de-DE" dirty="0" err="1"/>
+              <a:t>of</a:t>
+            </a:r>
+            <a:r>
+              <a:rPr lang="de-DE" dirty="0"/>
+              <a:t> </a:t>
+            </a:r>
+            <a:r>
+              <a:rPr lang="de-DE" dirty="0" err="1"/>
+              <a:t>the</a:t>
+            </a:r>
+            <a:r>
+              <a:rPr lang="de-DE" dirty="0"/>
+              <a:t> </a:t>
+            </a:r>
+            <a:r>
+              <a:rPr lang="de-DE" dirty="0" err="1"/>
+              <a:t>shape</a:t>
+            </a:r>
+            <a:r>
+              <a:rPr lang="de-DE" dirty="0"/>
+              <a:t>. Parameter </a:t>
+            </a:r>
+            <a:r>
+              <a:rPr lang="de-DE" dirty="0" err="1"/>
+              <a:t>is</a:t>
+            </a:r>
+            <a:r>
+              <a:rPr lang="de-DE" dirty="0"/>
+              <a:t> </a:t>
+            </a:r>
+            <a:r>
+              <a:rPr lang="de-DE" dirty="0" err="1"/>
+              <a:t>fond</a:t>
+            </a:r>
+            <a:r>
+              <a:rPr lang="de-DE" dirty="0"/>
+              <a:t> </a:t>
+            </a:r>
+            <a:r>
+              <a:rPr lang="de-DE" dirty="0" err="1"/>
+              <a:t>by</a:t>
+            </a:r>
+            <a:r>
+              <a:rPr lang="de-DE" dirty="0"/>
+              <a:t> </a:t>
+            </a:r>
+            <a:r>
+              <a:rPr lang="de-DE" dirty="0" err="1"/>
+              <a:t>counting</a:t>
+            </a:r>
+            <a:r>
+              <a:rPr lang="de-DE" dirty="0"/>
+              <a:t> </a:t>
+            </a:r>
+            <a:r>
+              <a:rPr lang="de-DE" dirty="0" err="1"/>
+              <a:t>the</a:t>
+            </a:r>
+            <a:r>
+              <a:rPr lang="de-DE" dirty="0"/>
+              <a:t> </a:t>
+            </a:r>
+            <a:r>
+              <a:rPr lang="de-DE" dirty="0" err="1"/>
+              <a:t>number</a:t>
+            </a:r>
+            <a:r>
+              <a:rPr lang="de-DE" dirty="0"/>
+              <a:t> </a:t>
+            </a:r>
+            <a:r>
+              <a:rPr lang="de-DE" dirty="0" err="1"/>
+              <a:t>of</a:t>
+            </a:r>
+            <a:r>
+              <a:rPr lang="de-DE" dirty="0"/>
+              <a:t> </a:t>
+            </a:r>
+            <a:r>
+              <a:rPr lang="de-DE" dirty="0" err="1"/>
+              <a:t>pixels</a:t>
+            </a:r>
+            <a:r>
+              <a:rPr lang="de-DE" dirty="0"/>
+              <a:t> in </a:t>
+            </a:r>
+            <a:r>
+              <a:rPr lang="de-DE" dirty="0" err="1"/>
+              <a:t>the</a:t>
+            </a:r>
+            <a:r>
+              <a:rPr lang="de-DE" dirty="0"/>
+              <a:t> </a:t>
+            </a:r>
+            <a:r>
+              <a:rPr lang="de-DE" dirty="0" err="1"/>
+              <a:t>boundrz</a:t>
+            </a:r>
+            <a:r>
+              <a:rPr lang="de-DE" dirty="0"/>
+              <a:t> </a:t>
+            </a:r>
+            <a:r>
+              <a:rPr lang="de-DE" dirty="0" err="1"/>
+              <a:t>of</a:t>
+            </a:r>
+            <a:r>
+              <a:rPr lang="de-DE" dirty="0"/>
+              <a:t> </a:t>
+            </a:r>
+            <a:r>
+              <a:rPr lang="de-DE" dirty="0" err="1"/>
+              <a:t>the</a:t>
+            </a:r>
+            <a:r>
+              <a:rPr lang="de-DE" dirty="0"/>
+              <a:t> </a:t>
+            </a:r>
+            <a:r>
+              <a:rPr lang="de-DE" dirty="0" err="1"/>
+              <a:t>shape</a:t>
+            </a:r>
+            <a:r>
+              <a:rPr lang="de-DE" dirty="0"/>
+              <a:t>. </a:t>
+            </a:r>
+            <a:r>
+              <a:rPr lang="de-DE" dirty="0" err="1"/>
+              <a:t>Similarly</a:t>
+            </a:r>
+            <a:r>
+              <a:rPr lang="de-DE" dirty="0"/>
+              <a:t> </a:t>
+            </a:r>
+            <a:r>
+              <a:rPr lang="de-DE" dirty="0" err="1"/>
+              <a:t>area</a:t>
+            </a:r>
+            <a:r>
+              <a:rPr lang="de-DE" dirty="0"/>
+              <a:t> </a:t>
+            </a:r>
+            <a:r>
+              <a:rPr lang="de-DE" dirty="0" err="1"/>
+              <a:t>is</a:t>
+            </a:r>
+            <a:r>
+              <a:rPr lang="de-DE" dirty="0"/>
+              <a:t> </a:t>
+            </a:r>
+            <a:r>
+              <a:rPr lang="de-DE" dirty="0" err="1"/>
+              <a:t>determined</a:t>
+            </a:r>
+            <a:r>
+              <a:rPr lang="de-DE" dirty="0"/>
+              <a:t> </a:t>
+            </a:r>
+            <a:r>
+              <a:rPr lang="de-DE" dirty="0" err="1"/>
+              <a:t>by</a:t>
+            </a:r>
+            <a:r>
+              <a:rPr lang="de-DE" dirty="0"/>
+              <a:t> </a:t>
+            </a:r>
+            <a:r>
+              <a:rPr lang="de-DE" dirty="0" err="1"/>
+              <a:t>counting</a:t>
+            </a:r>
+            <a:r>
+              <a:rPr lang="de-DE" dirty="0"/>
+              <a:t> </a:t>
+            </a:r>
+            <a:r>
+              <a:rPr lang="de-DE" dirty="0" err="1"/>
+              <a:t>the</a:t>
+            </a:r>
+            <a:r>
+              <a:rPr lang="de-DE" dirty="0"/>
+              <a:t> </a:t>
+            </a:r>
+            <a:r>
+              <a:rPr lang="de-DE" dirty="0" err="1"/>
+              <a:t>number</a:t>
+            </a:r>
+            <a:r>
+              <a:rPr lang="de-DE" dirty="0"/>
+              <a:t> </a:t>
+            </a:r>
+            <a:r>
+              <a:rPr lang="de-DE" dirty="0" err="1"/>
+              <a:t>of</a:t>
+            </a:r>
+            <a:r>
+              <a:rPr lang="de-DE" dirty="0"/>
+              <a:t> </a:t>
+            </a:r>
+            <a:r>
+              <a:rPr lang="de-DE" dirty="0" err="1"/>
+              <a:t>pixels</a:t>
+            </a:r>
+            <a:r>
+              <a:rPr lang="de-DE" dirty="0"/>
+              <a:t> in </a:t>
+            </a:r>
+            <a:r>
+              <a:rPr lang="de-DE" dirty="0" err="1"/>
+              <a:t>the</a:t>
+            </a:r>
+            <a:r>
+              <a:rPr lang="de-DE" dirty="0"/>
+              <a:t> </a:t>
+            </a:r>
+            <a:r>
+              <a:rPr lang="de-DE" dirty="0" err="1"/>
+              <a:t>shape</a:t>
+            </a:r>
+            <a:r>
+              <a:rPr lang="de-DE" dirty="0"/>
+              <a:t>.</a:t>
+            </a:r>
+          </a:p>
+          <a:p>
+            <a:pPr marL="0" indent="0">
+              <a:buNone/>
+            </a:pPr>
+            <a:endParaRPr lang="en-DE" dirty="0"/>
+          </a:p>
+        </p:txBody>
+      </p:sp>
+    </p:spTree>
+    <p:extLst>
+      <p:ext uri="{BB962C8B-B14F-4D97-AF65-F5344CB8AC3E}">
+        <p14:creationId xmlns:p14="http://schemas.microsoft.com/office/powerpoint/2010/main" val="615272003"/>
+      </p:ext>
+    </p:extLst>
+  </p:cSld>
+  <p:clrMapOvr>
+    <a:masterClrMapping/>
+  </p:clrMapOvr>
+</p:sld>
+</file>
+
+<file path=ppt/slides/slide9.xml><?xml version="1.0" encoding="utf-8"?>
+<p:sld xmlns:a="http://schemas.openxmlformats.org/drawingml/2006/main" xmlns:r="http://schemas.openxmlformats.org/officeDocument/2006/relationships" xmlns:p="http://schemas.openxmlformats.org/presentationml/2006/main">
+  <p:cSld>
+    <p:spTree>
+      <p:nvGrpSpPr>
+        <p:cNvPr id="1" name=""/>
+        <p:cNvGrpSpPr/>
+        <p:nvPr/>
+      </p:nvGrpSpPr>
+      <p:grpSpPr>
+        <a:xfrm>
+          <a:off x="0" y="0"/>
+          <a:ext cx="0" cy="0"/>
+          <a:chOff x="0" y="0"/>
+          <a:chExt cx="0" cy="0"/>
+        </a:xfrm>
+      </p:grpSpPr>
+      <p:sp>
+        <p:nvSpPr>
+          <p:cNvPr id="3" name="Content Placeholder 2">
+            <a:extLst>
+              <a:ext uri="{FF2B5EF4-FFF2-40B4-BE49-F238E27FC236}">
+                <a16:creationId xmlns:a16="http://schemas.microsoft.com/office/drawing/2014/main" id="{87B4EA59-B241-4422-AA21-E526D20297A8}"/>
+              </a:ext>
+            </a:extLst>
+          </p:cNvPr>
+          <p:cNvSpPr>
+            <a:spLocks noGrp="1"/>
+          </p:cNvSpPr>
+          <p:nvPr>
+            <p:ph idx="1"/>
+          </p:nvPr>
+        </p:nvSpPr>
+        <p:spPr>
+          <a:xfrm>
+            <a:off x="838200" y="1253331"/>
+            <a:ext cx="10515600" cy="4351338"/>
+          </a:xfrm>
+        </p:spPr>
+        <p:txBody>
+          <a:bodyPr/>
+          <a:lstStyle/>
+          <a:p>
+            <a:r>
+              <a:rPr lang="en-GB" dirty="0"/>
+              <a:t>Major axis is determined by looking at all the parameter pixels and observing that which pairs are at the maximum distance and pass through the centroid. </a:t>
+            </a:r>
+          </a:p>
+          <a:p>
+            <a:r>
+              <a:rPr lang="en-GB" dirty="0"/>
+              <a:t>Circularity is determined by the following formula:</a:t>
+            </a:r>
+          </a:p>
+          <a:p>
+            <a:pPr marL="457200" lvl="1" indent="0">
+              <a:buNone/>
+            </a:pPr>
+            <a:r>
+              <a:rPr lang="en-GB" dirty="0"/>
+              <a:t>Circularity </a:t>
+            </a:r>
+            <a:r>
+              <a:rPr lang="de-DE" dirty="0"/>
+              <a:t>= </a:t>
+            </a:r>
+            <a:r>
+              <a:rPr lang="en-GB" dirty="0"/>
+              <a:t>(4 * pi * area)./(parameter .^ 2)</a:t>
+            </a:r>
+          </a:p>
+        </p:txBody>
+      </p:sp>
+    </p:spTree>
+    <p:extLst>
+      <p:ext uri="{BB962C8B-B14F-4D97-AF65-F5344CB8AC3E}">
+        <p14:creationId xmlns:p14="http://schemas.microsoft.com/office/powerpoint/2010/main" val="3434639700"/>
       </p:ext>
     </p:extLst>
   </p:cSld>
